--- a/document/지휘통제소 SW 관련 자료 공유.pptx
+++ b/document/지휘통제소 SW 관련 자료 공유.pptx
@@ -114,6 +114,11 @@
       </a:defRPr>
     </a:lvl9pPr>
   </p:defaultTextStyle>
+  <p:extLst>
+    <p:ext uri="{EFAFB233-063F-42B5-8137-9DF3F51BA10A}">
+      <p15:sldGuideLst xmlns:p15="http://schemas.microsoft.com/office/powerpoint/2012/main"/>
+    </p:ext>
+  </p:extLst>
 </p:presentation>
 </file>
 
@@ -199,7 +204,7 @@
           <a:p>
             <a:fld id="{53884A8D-8271-4CCC-9063-0DEA72CDF3A9}" type="datetimeFigureOut">
               <a:rPr lang="ko-KR" altLang="en-US" smtClean="0"/>
-              <a:t>25-11-11 Tuesday</a:t>
+              <a:t>2025-11-12</a:t>
             </a:fld>
             <a:endParaRPr lang="ko-KR" altLang="en-US"/>
           </a:p>
@@ -263,38 +268,37 @@
           <a:p>
             <a:pPr lvl="0"/>
             <a:r>
-              <a:rPr lang="ko-KR" altLang="en-US" smtClean="0"/>
+              <a:rPr lang="ko-KR" altLang="en-US"/>
               <a:t>마스터 텍스트 스타일 편집</a:t>
             </a:r>
           </a:p>
           <a:p>
             <a:pPr lvl="1"/>
             <a:r>
-              <a:rPr lang="ko-KR" altLang="en-US" smtClean="0"/>
+              <a:rPr lang="ko-KR" altLang="en-US"/>
               <a:t>둘째 수준</a:t>
             </a:r>
           </a:p>
           <a:p>
             <a:pPr lvl="2"/>
             <a:r>
-              <a:rPr lang="ko-KR" altLang="en-US" smtClean="0"/>
+              <a:rPr lang="ko-KR" altLang="en-US"/>
               <a:t>셋째 수준</a:t>
             </a:r>
           </a:p>
           <a:p>
             <a:pPr lvl="3"/>
             <a:r>
-              <a:rPr lang="ko-KR" altLang="en-US" smtClean="0"/>
+              <a:rPr lang="ko-KR" altLang="en-US"/>
               <a:t>넷째 수준</a:t>
             </a:r>
           </a:p>
           <a:p>
             <a:pPr lvl="4"/>
             <a:r>
-              <a:rPr lang="ko-KR" altLang="en-US" smtClean="0"/>
+              <a:rPr lang="ko-KR" altLang="en-US"/>
               <a:t>다섯째 수준</a:t>
             </a:r>
-            <a:endParaRPr lang="ko-KR" altLang="en-US"/>
           </a:p>
         </p:txBody>
       </p:sp>
@@ -1181,10 +1185,9 @@
           </a:lstStyle>
           <a:p>
             <a:r>
-              <a:rPr lang="ko-KR" altLang="en-US" smtClean="0"/>
+              <a:rPr lang="ko-KR" altLang="en-US"/>
               <a:t>마스터 제목 스타일 편집</a:t>
             </a:r>
-            <a:endParaRPr lang="ko-KR" altLang="en-US"/>
           </a:p>
         </p:txBody>
       </p:sp>
@@ -1246,10 +1249,9 @@
           </a:lstStyle>
           <a:p>
             <a:r>
-              <a:rPr lang="ko-KR" altLang="en-US" smtClean="0"/>
+              <a:rPr lang="ko-KR" altLang="en-US"/>
               <a:t>클릭하여 마스터 부제목 스타일 편집</a:t>
             </a:r>
-            <a:endParaRPr lang="ko-KR" altLang="en-US"/>
           </a:p>
         </p:txBody>
       </p:sp>
@@ -1270,7 +1272,7 @@
           <a:p>
             <a:fld id="{171F5115-2EA5-4821-8F38-9A82CA79F321}" type="datetimeFigureOut">
               <a:rPr lang="ko-KR" altLang="en-US" smtClean="0"/>
-              <a:t>25-11-11 Tuesday</a:t>
+              <a:t>2025-11-12</a:t>
             </a:fld>
             <a:endParaRPr lang="ko-KR" altLang="en-US"/>
           </a:p>
@@ -1364,10 +1366,9 @@
           <a:lstStyle/>
           <a:p>
             <a:r>
-              <a:rPr lang="ko-KR" altLang="en-US" smtClean="0"/>
+              <a:rPr lang="ko-KR" altLang="en-US"/>
               <a:t>마스터 제목 스타일 편집</a:t>
             </a:r>
-            <a:endParaRPr lang="ko-KR" altLang="en-US"/>
           </a:p>
         </p:txBody>
       </p:sp>
@@ -1388,38 +1389,37 @@
           <a:p>
             <a:pPr lvl="0"/>
             <a:r>
-              <a:rPr lang="ko-KR" altLang="en-US" smtClean="0"/>
+              <a:rPr lang="ko-KR" altLang="en-US"/>
               <a:t>마스터 텍스트 스타일 편집</a:t>
             </a:r>
           </a:p>
           <a:p>
             <a:pPr lvl="1"/>
             <a:r>
-              <a:rPr lang="ko-KR" altLang="en-US" smtClean="0"/>
+              <a:rPr lang="ko-KR" altLang="en-US"/>
               <a:t>둘째 수준</a:t>
             </a:r>
           </a:p>
           <a:p>
             <a:pPr lvl="2"/>
             <a:r>
-              <a:rPr lang="ko-KR" altLang="en-US" smtClean="0"/>
+              <a:rPr lang="ko-KR" altLang="en-US"/>
               <a:t>셋째 수준</a:t>
             </a:r>
           </a:p>
           <a:p>
             <a:pPr lvl="3"/>
             <a:r>
-              <a:rPr lang="ko-KR" altLang="en-US" smtClean="0"/>
+              <a:rPr lang="ko-KR" altLang="en-US"/>
               <a:t>넷째 수준</a:t>
             </a:r>
           </a:p>
           <a:p>
             <a:pPr lvl="4"/>
             <a:r>
-              <a:rPr lang="ko-KR" altLang="en-US" smtClean="0"/>
+              <a:rPr lang="ko-KR" altLang="en-US"/>
               <a:t>다섯째 수준</a:t>
             </a:r>
-            <a:endParaRPr lang="ko-KR" altLang="en-US"/>
           </a:p>
         </p:txBody>
       </p:sp>
@@ -1440,7 +1440,7 @@
           <a:p>
             <a:fld id="{171F5115-2EA5-4821-8F38-9A82CA79F321}" type="datetimeFigureOut">
               <a:rPr lang="ko-KR" altLang="en-US" smtClean="0"/>
-              <a:t>25-11-11 Tuesday</a:t>
+              <a:t>2025-11-12</a:t>
             </a:fld>
             <a:endParaRPr lang="ko-KR" altLang="en-US"/>
           </a:p>
@@ -1539,10 +1539,9 @@
           <a:lstStyle/>
           <a:p>
             <a:r>
-              <a:rPr lang="ko-KR" altLang="en-US" smtClean="0"/>
+              <a:rPr lang="ko-KR" altLang="en-US"/>
               <a:t>마스터 제목 스타일 편집</a:t>
             </a:r>
-            <a:endParaRPr lang="ko-KR" altLang="en-US"/>
           </a:p>
         </p:txBody>
       </p:sp>
@@ -1568,38 +1567,37 @@
           <a:p>
             <a:pPr lvl="0"/>
             <a:r>
-              <a:rPr lang="ko-KR" altLang="en-US" smtClean="0"/>
+              <a:rPr lang="ko-KR" altLang="en-US"/>
               <a:t>마스터 텍스트 스타일 편집</a:t>
             </a:r>
           </a:p>
           <a:p>
             <a:pPr lvl="1"/>
             <a:r>
-              <a:rPr lang="ko-KR" altLang="en-US" smtClean="0"/>
+              <a:rPr lang="ko-KR" altLang="en-US"/>
               <a:t>둘째 수준</a:t>
             </a:r>
           </a:p>
           <a:p>
             <a:pPr lvl="2"/>
             <a:r>
-              <a:rPr lang="ko-KR" altLang="en-US" smtClean="0"/>
+              <a:rPr lang="ko-KR" altLang="en-US"/>
               <a:t>셋째 수준</a:t>
             </a:r>
           </a:p>
           <a:p>
             <a:pPr lvl="3"/>
             <a:r>
-              <a:rPr lang="ko-KR" altLang="en-US" smtClean="0"/>
+              <a:rPr lang="ko-KR" altLang="en-US"/>
               <a:t>넷째 수준</a:t>
             </a:r>
           </a:p>
           <a:p>
             <a:pPr lvl="4"/>
             <a:r>
-              <a:rPr lang="ko-KR" altLang="en-US" smtClean="0"/>
+              <a:rPr lang="ko-KR" altLang="en-US"/>
               <a:t>다섯째 수준</a:t>
             </a:r>
-            <a:endParaRPr lang="ko-KR" altLang="en-US"/>
           </a:p>
         </p:txBody>
       </p:sp>
@@ -1620,7 +1618,7 @@
           <a:p>
             <a:fld id="{171F5115-2EA5-4821-8F38-9A82CA79F321}" type="datetimeFigureOut">
               <a:rPr lang="ko-KR" altLang="en-US" smtClean="0"/>
-              <a:t>25-11-11 Tuesday</a:t>
+              <a:t>2025-11-12</a:t>
             </a:fld>
             <a:endParaRPr lang="ko-KR" altLang="en-US"/>
           </a:p>
@@ -2702,10 +2700,9 @@
           <a:lstStyle/>
           <a:p>
             <a:r>
-              <a:rPr lang="ko-KR" altLang="en-US" smtClean="0"/>
+              <a:rPr lang="ko-KR" altLang="en-US"/>
               <a:t>마스터 제목 스타일 편집</a:t>
             </a:r>
-            <a:endParaRPr lang="ko-KR" altLang="en-US"/>
           </a:p>
         </p:txBody>
       </p:sp>
@@ -2726,38 +2723,37 @@
           <a:p>
             <a:pPr lvl="0"/>
             <a:r>
-              <a:rPr lang="ko-KR" altLang="en-US" smtClean="0"/>
+              <a:rPr lang="ko-KR" altLang="en-US"/>
               <a:t>마스터 텍스트 스타일 편집</a:t>
             </a:r>
           </a:p>
           <a:p>
             <a:pPr lvl="1"/>
             <a:r>
-              <a:rPr lang="ko-KR" altLang="en-US" smtClean="0"/>
+              <a:rPr lang="ko-KR" altLang="en-US"/>
               <a:t>둘째 수준</a:t>
             </a:r>
           </a:p>
           <a:p>
             <a:pPr lvl="2"/>
             <a:r>
-              <a:rPr lang="ko-KR" altLang="en-US" smtClean="0"/>
+              <a:rPr lang="ko-KR" altLang="en-US"/>
               <a:t>셋째 수준</a:t>
             </a:r>
           </a:p>
           <a:p>
             <a:pPr lvl="3"/>
             <a:r>
-              <a:rPr lang="ko-KR" altLang="en-US" smtClean="0"/>
+              <a:rPr lang="ko-KR" altLang="en-US"/>
               <a:t>넷째 수준</a:t>
             </a:r>
           </a:p>
           <a:p>
             <a:pPr lvl="4"/>
             <a:r>
-              <a:rPr lang="ko-KR" altLang="en-US" smtClean="0"/>
+              <a:rPr lang="ko-KR" altLang="en-US"/>
               <a:t>다섯째 수준</a:t>
             </a:r>
-            <a:endParaRPr lang="ko-KR" altLang="en-US"/>
           </a:p>
         </p:txBody>
       </p:sp>
@@ -2778,7 +2774,7 @@
           <a:p>
             <a:fld id="{171F5115-2EA5-4821-8F38-9A82CA79F321}" type="datetimeFigureOut">
               <a:rPr lang="ko-KR" altLang="en-US" smtClean="0"/>
-              <a:t>25-11-11 Tuesday</a:t>
+              <a:t>2025-11-12</a:t>
             </a:fld>
             <a:endParaRPr lang="ko-KR" altLang="en-US"/>
           </a:p>
@@ -2881,10 +2877,9 @@
           </a:lstStyle>
           <a:p>
             <a:r>
-              <a:rPr lang="ko-KR" altLang="en-US" smtClean="0"/>
+              <a:rPr lang="ko-KR" altLang="en-US"/>
               <a:t>마스터 제목 스타일 편집</a:t>
             </a:r>
-            <a:endParaRPr lang="ko-KR" altLang="en-US"/>
           </a:p>
         </p:txBody>
       </p:sp>
@@ -3001,7 +2996,7 @@
           <a:p>
             <a:pPr lvl="0"/>
             <a:r>
-              <a:rPr lang="ko-KR" altLang="en-US" smtClean="0"/>
+              <a:rPr lang="ko-KR" altLang="en-US"/>
               <a:t>마스터 텍스트 스타일 편집</a:t>
             </a:r>
           </a:p>
@@ -3024,7 +3019,7 @@
           <a:p>
             <a:fld id="{171F5115-2EA5-4821-8F38-9A82CA79F321}" type="datetimeFigureOut">
               <a:rPr lang="ko-KR" altLang="en-US" smtClean="0"/>
-              <a:t>25-11-11 Tuesday</a:t>
+              <a:t>2025-11-12</a:t>
             </a:fld>
             <a:endParaRPr lang="ko-KR" altLang="en-US"/>
           </a:p>
@@ -3118,10 +3113,9 @@
           <a:lstStyle/>
           <a:p>
             <a:r>
-              <a:rPr lang="ko-KR" altLang="en-US" smtClean="0"/>
+              <a:rPr lang="ko-KR" altLang="en-US"/>
               <a:t>마스터 제목 스타일 편집</a:t>
             </a:r>
-            <a:endParaRPr lang="ko-KR" altLang="en-US"/>
           </a:p>
         </p:txBody>
       </p:sp>
@@ -3147,38 +3141,37 @@
           <a:p>
             <a:pPr lvl="0"/>
             <a:r>
-              <a:rPr lang="ko-KR" altLang="en-US" smtClean="0"/>
+              <a:rPr lang="ko-KR" altLang="en-US"/>
               <a:t>마스터 텍스트 스타일 편집</a:t>
             </a:r>
           </a:p>
           <a:p>
             <a:pPr lvl="1"/>
             <a:r>
-              <a:rPr lang="ko-KR" altLang="en-US" smtClean="0"/>
+              <a:rPr lang="ko-KR" altLang="en-US"/>
               <a:t>둘째 수준</a:t>
             </a:r>
           </a:p>
           <a:p>
             <a:pPr lvl="2"/>
             <a:r>
-              <a:rPr lang="ko-KR" altLang="en-US" smtClean="0"/>
+              <a:rPr lang="ko-KR" altLang="en-US"/>
               <a:t>셋째 수준</a:t>
             </a:r>
           </a:p>
           <a:p>
             <a:pPr lvl="3"/>
             <a:r>
-              <a:rPr lang="ko-KR" altLang="en-US" smtClean="0"/>
+              <a:rPr lang="ko-KR" altLang="en-US"/>
               <a:t>넷째 수준</a:t>
             </a:r>
           </a:p>
           <a:p>
             <a:pPr lvl="4"/>
             <a:r>
-              <a:rPr lang="ko-KR" altLang="en-US" smtClean="0"/>
+              <a:rPr lang="ko-KR" altLang="en-US"/>
               <a:t>다섯째 수준</a:t>
             </a:r>
-            <a:endParaRPr lang="ko-KR" altLang="en-US"/>
           </a:p>
         </p:txBody>
       </p:sp>
@@ -3204,38 +3197,37 @@
           <a:p>
             <a:pPr lvl="0"/>
             <a:r>
-              <a:rPr lang="ko-KR" altLang="en-US" smtClean="0"/>
+              <a:rPr lang="ko-KR" altLang="en-US"/>
               <a:t>마스터 텍스트 스타일 편집</a:t>
             </a:r>
           </a:p>
           <a:p>
             <a:pPr lvl="1"/>
             <a:r>
-              <a:rPr lang="ko-KR" altLang="en-US" smtClean="0"/>
+              <a:rPr lang="ko-KR" altLang="en-US"/>
               <a:t>둘째 수준</a:t>
             </a:r>
           </a:p>
           <a:p>
             <a:pPr lvl="2"/>
             <a:r>
-              <a:rPr lang="ko-KR" altLang="en-US" smtClean="0"/>
+              <a:rPr lang="ko-KR" altLang="en-US"/>
               <a:t>셋째 수준</a:t>
             </a:r>
           </a:p>
           <a:p>
             <a:pPr lvl="3"/>
             <a:r>
-              <a:rPr lang="ko-KR" altLang="en-US" smtClean="0"/>
+              <a:rPr lang="ko-KR" altLang="en-US"/>
               <a:t>넷째 수준</a:t>
             </a:r>
           </a:p>
           <a:p>
             <a:pPr lvl="4"/>
             <a:r>
-              <a:rPr lang="ko-KR" altLang="en-US" smtClean="0"/>
+              <a:rPr lang="ko-KR" altLang="en-US"/>
               <a:t>다섯째 수준</a:t>
             </a:r>
-            <a:endParaRPr lang="ko-KR" altLang="en-US"/>
           </a:p>
         </p:txBody>
       </p:sp>
@@ -3256,7 +3248,7 @@
           <a:p>
             <a:fld id="{171F5115-2EA5-4821-8F38-9A82CA79F321}" type="datetimeFigureOut">
               <a:rPr lang="ko-KR" altLang="en-US" smtClean="0"/>
-              <a:t>25-11-11 Tuesday</a:t>
+              <a:t>2025-11-12</a:t>
             </a:fld>
             <a:endParaRPr lang="ko-KR" altLang="en-US"/>
           </a:p>
@@ -3355,10 +3347,9 @@
           <a:lstStyle/>
           <a:p>
             <a:r>
-              <a:rPr lang="ko-KR" altLang="en-US" smtClean="0"/>
+              <a:rPr lang="ko-KR" altLang="en-US"/>
               <a:t>마스터 제목 스타일 편집</a:t>
             </a:r>
-            <a:endParaRPr lang="ko-KR" altLang="en-US"/>
           </a:p>
         </p:txBody>
       </p:sp>
@@ -3421,7 +3412,7 @@
           <a:p>
             <a:pPr lvl="0"/>
             <a:r>
-              <a:rPr lang="ko-KR" altLang="en-US" smtClean="0"/>
+              <a:rPr lang="ko-KR" altLang="en-US"/>
               <a:t>마스터 텍스트 스타일 편집</a:t>
             </a:r>
           </a:p>
@@ -3449,38 +3440,37 @@
           <a:p>
             <a:pPr lvl="0"/>
             <a:r>
-              <a:rPr lang="ko-KR" altLang="en-US" smtClean="0"/>
+              <a:rPr lang="ko-KR" altLang="en-US"/>
               <a:t>마스터 텍스트 스타일 편집</a:t>
             </a:r>
           </a:p>
           <a:p>
             <a:pPr lvl="1"/>
             <a:r>
-              <a:rPr lang="ko-KR" altLang="en-US" smtClean="0"/>
+              <a:rPr lang="ko-KR" altLang="en-US"/>
               <a:t>둘째 수준</a:t>
             </a:r>
           </a:p>
           <a:p>
             <a:pPr lvl="2"/>
             <a:r>
-              <a:rPr lang="ko-KR" altLang="en-US" smtClean="0"/>
+              <a:rPr lang="ko-KR" altLang="en-US"/>
               <a:t>셋째 수준</a:t>
             </a:r>
           </a:p>
           <a:p>
             <a:pPr lvl="3"/>
             <a:r>
-              <a:rPr lang="ko-KR" altLang="en-US" smtClean="0"/>
+              <a:rPr lang="ko-KR" altLang="en-US"/>
               <a:t>넷째 수준</a:t>
             </a:r>
           </a:p>
           <a:p>
             <a:pPr lvl="4"/>
             <a:r>
-              <a:rPr lang="ko-KR" altLang="en-US" smtClean="0"/>
+              <a:rPr lang="ko-KR" altLang="en-US"/>
               <a:t>다섯째 수준</a:t>
             </a:r>
-            <a:endParaRPr lang="ko-KR" altLang="en-US"/>
           </a:p>
         </p:txBody>
       </p:sp>
@@ -3543,7 +3533,7 @@
           <a:p>
             <a:pPr lvl="0"/>
             <a:r>
-              <a:rPr lang="ko-KR" altLang="en-US" smtClean="0"/>
+              <a:rPr lang="ko-KR" altLang="en-US"/>
               <a:t>마스터 텍스트 스타일 편집</a:t>
             </a:r>
           </a:p>
@@ -3571,38 +3561,37 @@
           <a:p>
             <a:pPr lvl="0"/>
             <a:r>
-              <a:rPr lang="ko-KR" altLang="en-US" smtClean="0"/>
+              <a:rPr lang="ko-KR" altLang="en-US"/>
               <a:t>마스터 텍스트 스타일 편집</a:t>
             </a:r>
           </a:p>
           <a:p>
             <a:pPr lvl="1"/>
             <a:r>
-              <a:rPr lang="ko-KR" altLang="en-US" smtClean="0"/>
+              <a:rPr lang="ko-KR" altLang="en-US"/>
               <a:t>둘째 수준</a:t>
             </a:r>
           </a:p>
           <a:p>
             <a:pPr lvl="2"/>
             <a:r>
-              <a:rPr lang="ko-KR" altLang="en-US" smtClean="0"/>
+              <a:rPr lang="ko-KR" altLang="en-US"/>
               <a:t>셋째 수준</a:t>
             </a:r>
           </a:p>
           <a:p>
             <a:pPr lvl="3"/>
             <a:r>
-              <a:rPr lang="ko-KR" altLang="en-US" smtClean="0"/>
+              <a:rPr lang="ko-KR" altLang="en-US"/>
               <a:t>넷째 수준</a:t>
             </a:r>
           </a:p>
           <a:p>
             <a:pPr lvl="4"/>
             <a:r>
-              <a:rPr lang="ko-KR" altLang="en-US" smtClean="0"/>
+              <a:rPr lang="ko-KR" altLang="en-US"/>
               <a:t>다섯째 수준</a:t>
             </a:r>
-            <a:endParaRPr lang="ko-KR" altLang="en-US"/>
           </a:p>
         </p:txBody>
       </p:sp>
@@ -3623,7 +3612,7 @@
           <a:p>
             <a:fld id="{171F5115-2EA5-4821-8F38-9A82CA79F321}" type="datetimeFigureOut">
               <a:rPr lang="ko-KR" altLang="en-US" smtClean="0"/>
-              <a:t>25-11-11 Tuesday</a:t>
+              <a:t>2025-11-12</a:t>
             </a:fld>
             <a:endParaRPr lang="ko-KR" altLang="en-US"/>
           </a:p>
@@ -3717,10 +3706,9 @@
           <a:lstStyle/>
           <a:p>
             <a:r>
-              <a:rPr lang="ko-KR" altLang="en-US" smtClean="0"/>
+              <a:rPr lang="ko-KR" altLang="en-US"/>
               <a:t>마스터 제목 스타일 편집</a:t>
             </a:r>
-            <a:endParaRPr lang="ko-KR" altLang="en-US"/>
           </a:p>
         </p:txBody>
       </p:sp>
@@ -3741,7 +3729,7 @@
           <a:p>
             <a:fld id="{171F5115-2EA5-4821-8F38-9A82CA79F321}" type="datetimeFigureOut">
               <a:rPr lang="ko-KR" altLang="en-US" smtClean="0"/>
-              <a:t>25-11-11 Tuesday</a:t>
+              <a:t>2025-11-12</a:t>
             </a:fld>
             <a:endParaRPr lang="ko-KR" altLang="en-US"/>
           </a:p>
@@ -3836,7 +3824,7 @@
           <a:p>
             <a:fld id="{171F5115-2EA5-4821-8F38-9A82CA79F321}" type="datetimeFigureOut">
               <a:rPr lang="ko-KR" altLang="en-US" smtClean="0"/>
-              <a:t>25-11-11 Tuesday</a:t>
+              <a:t>2025-11-12</a:t>
             </a:fld>
             <a:endParaRPr lang="ko-KR" altLang="en-US"/>
           </a:p>
@@ -3939,10 +3927,9 @@
           </a:lstStyle>
           <a:p>
             <a:r>
-              <a:rPr lang="ko-KR" altLang="en-US" smtClean="0"/>
+              <a:rPr lang="ko-KR" altLang="en-US"/>
               <a:t>마스터 제목 스타일 편집</a:t>
             </a:r>
-            <a:endParaRPr lang="ko-KR" altLang="en-US"/>
           </a:p>
         </p:txBody>
       </p:sp>
@@ -3996,38 +3983,37 @@
           <a:p>
             <a:pPr lvl="0"/>
             <a:r>
-              <a:rPr lang="ko-KR" altLang="en-US" smtClean="0"/>
+              <a:rPr lang="ko-KR" altLang="en-US"/>
               <a:t>마스터 텍스트 스타일 편집</a:t>
             </a:r>
           </a:p>
           <a:p>
             <a:pPr lvl="1"/>
             <a:r>
-              <a:rPr lang="ko-KR" altLang="en-US" smtClean="0"/>
+              <a:rPr lang="ko-KR" altLang="en-US"/>
               <a:t>둘째 수준</a:t>
             </a:r>
           </a:p>
           <a:p>
             <a:pPr lvl="2"/>
             <a:r>
-              <a:rPr lang="ko-KR" altLang="en-US" smtClean="0"/>
+              <a:rPr lang="ko-KR" altLang="en-US"/>
               <a:t>셋째 수준</a:t>
             </a:r>
           </a:p>
           <a:p>
             <a:pPr lvl="3"/>
             <a:r>
-              <a:rPr lang="ko-KR" altLang="en-US" smtClean="0"/>
+              <a:rPr lang="ko-KR" altLang="en-US"/>
               <a:t>넷째 수준</a:t>
             </a:r>
           </a:p>
           <a:p>
             <a:pPr lvl="4"/>
             <a:r>
-              <a:rPr lang="ko-KR" altLang="en-US" smtClean="0"/>
+              <a:rPr lang="ko-KR" altLang="en-US"/>
               <a:t>다섯째 수준</a:t>
             </a:r>
-            <a:endParaRPr lang="ko-KR" altLang="en-US"/>
           </a:p>
         </p:txBody>
       </p:sp>
@@ -4090,7 +4076,7 @@
           <a:p>
             <a:pPr lvl="0"/>
             <a:r>
-              <a:rPr lang="ko-KR" altLang="en-US" smtClean="0"/>
+              <a:rPr lang="ko-KR" altLang="en-US"/>
               <a:t>마스터 텍스트 스타일 편집</a:t>
             </a:r>
           </a:p>
@@ -4113,7 +4099,7 @@
           <a:p>
             <a:fld id="{171F5115-2EA5-4821-8F38-9A82CA79F321}" type="datetimeFigureOut">
               <a:rPr lang="ko-KR" altLang="en-US" smtClean="0"/>
-              <a:t>25-11-11 Tuesday</a:t>
+              <a:t>2025-11-12</a:t>
             </a:fld>
             <a:endParaRPr lang="ko-KR" altLang="en-US"/>
           </a:p>
@@ -4216,10 +4202,9 @@
           </a:lstStyle>
           <a:p>
             <a:r>
-              <a:rPr lang="ko-KR" altLang="en-US" smtClean="0"/>
+              <a:rPr lang="ko-KR" altLang="en-US"/>
               <a:t>마스터 제목 스타일 편집</a:t>
             </a:r>
-            <a:endParaRPr lang="ko-KR" altLang="en-US"/>
           </a:p>
         </p:txBody>
       </p:sp>
@@ -4343,7 +4328,7 @@
           <a:p>
             <a:pPr lvl="0"/>
             <a:r>
-              <a:rPr lang="ko-KR" altLang="en-US" smtClean="0"/>
+              <a:rPr lang="ko-KR" altLang="en-US"/>
               <a:t>마스터 텍스트 스타일 편집</a:t>
             </a:r>
           </a:p>
@@ -4366,7 +4351,7 @@
           <a:p>
             <a:fld id="{171F5115-2EA5-4821-8F38-9A82CA79F321}" type="datetimeFigureOut">
               <a:rPr lang="ko-KR" altLang="en-US" smtClean="0"/>
-              <a:t>25-11-11 Tuesday</a:t>
+              <a:t>2025-11-12</a:t>
             </a:fld>
             <a:endParaRPr lang="ko-KR" altLang="en-US"/>
           </a:p>
@@ -4475,10 +4460,9 @@
           <a:lstStyle/>
           <a:p>
             <a:r>
-              <a:rPr lang="ko-KR" altLang="en-US" smtClean="0"/>
+              <a:rPr lang="ko-KR" altLang="en-US"/>
               <a:t>마스터 제목 스타일 편집</a:t>
             </a:r>
-            <a:endParaRPr lang="ko-KR" altLang="en-US"/>
           </a:p>
         </p:txBody>
       </p:sp>
@@ -4509,38 +4493,37 @@
           <a:p>
             <a:pPr lvl="0"/>
             <a:r>
-              <a:rPr lang="ko-KR" altLang="en-US" smtClean="0"/>
+              <a:rPr lang="ko-KR" altLang="en-US"/>
               <a:t>마스터 텍스트 스타일 편집</a:t>
             </a:r>
           </a:p>
           <a:p>
             <a:pPr lvl="1"/>
             <a:r>
-              <a:rPr lang="ko-KR" altLang="en-US" smtClean="0"/>
+              <a:rPr lang="ko-KR" altLang="en-US"/>
               <a:t>둘째 수준</a:t>
             </a:r>
           </a:p>
           <a:p>
             <a:pPr lvl="2"/>
             <a:r>
-              <a:rPr lang="ko-KR" altLang="en-US" smtClean="0"/>
+              <a:rPr lang="ko-KR" altLang="en-US"/>
               <a:t>셋째 수준</a:t>
             </a:r>
           </a:p>
           <a:p>
             <a:pPr lvl="3"/>
             <a:r>
-              <a:rPr lang="ko-KR" altLang="en-US" smtClean="0"/>
+              <a:rPr lang="ko-KR" altLang="en-US"/>
               <a:t>넷째 수준</a:t>
             </a:r>
           </a:p>
           <a:p>
             <a:pPr lvl="4"/>
             <a:r>
-              <a:rPr lang="ko-KR" altLang="en-US" smtClean="0"/>
+              <a:rPr lang="ko-KR" altLang="en-US"/>
               <a:t>다섯째 수준</a:t>
             </a:r>
-            <a:endParaRPr lang="ko-KR" altLang="en-US"/>
           </a:p>
         </p:txBody>
       </p:sp>
@@ -4579,7 +4562,7 @@
           <a:p>
             <a:fld id="{171F5115-2EA5-4821-8F38-9A82CA79F321}" type="datetimeFigureOut">
               <a:rPr lang="ko-KR" altLang="en-US" smtClean="0"/>
-              <a:t>25-11-11 Tuesday</a:t>
+              <a:t>2025-11-12</a:t>
             </a:fld>
             <a:endParaRPr lang="ko-KR" altLang="en-US"/>
           </a:p>
@@ -5233,7 +5216,7 @@
           </a:lstStyle>
           <a:p>
             <a:r>
-              <a:rPr lang="ko-KR" altLang="en-US" smtClean="0">
+              <a:rPr lang="ko-KR" altLang="en-US">
                 <a:ln>
                   <a:solidFill>
                     <a:prstClr val="white">
@@ -5252,7 +5235,7 @@
               </a:rPr>
               <a:t>지휘통제소</a:t>
             </a:r>
-            <a:endParaRPr lang="en-US" altLang="ko-KR" smtClean="0">
+            <a:endParaRPr lang="en-US" altLang="ko-KR">
               <a:ln>
                 <a:solidFill>
                   <a:prstClr val="white">
@@ -5273,7 +5256,7 @@
           <a:p>
             <a:pPr lvl="1"/>
             <a:r>
-              <a:rPr lang="ko-KR" altLang="en-US" sz="1600" smtClean="0">
+              <a:rPr lang="ko-KR" altLang="en-US" sz="1600">
                 <a:ln>
                   <a:solidFill>
                     <a:prstClr val="white">
@@ -5293,7 +5276,7 @@
               <a:t>시스템 모듈 구분</a:t>
             </a:r>
             <a:r>
-              <a:rPr lang="en-US" altLang="ko-KR" sz="1600" smtClean="0">
+              <a:rPr lang="en-US" altLang="ko-KR" sz="1600">
                 <a:ln>
                   <a:solidFill>
                     <a:prstClr val="white">
@@ -5313,7 +5296,7 @@
               <a:t>(git </a:t>
             </a:r>
             <a:r>
-              <a:rPr lang="ko-KR" altLang="en-US" sz="1600" smtClean="0">
+              <a:rPr lang="ko-KR" altLang="en-US" sz="1600">
                 <a:ln>
                   <a:solidFill>
                     <a:prstClr val="white">
@@ -5333,7 +5316,7 @@
               <a:t>폴더 기준</a:t>
             </a:r>
             <a:r>
-              <a:rPr lang="en-US" altLang="ko-KR" sz="1600" smtClean="0">
+              <a:rPr lang="en-US" altLang="ko-KR" sz="1600">
                 <a:ln>
                   <a:solidFill>
                     <a:prstClr val="white">
@@ -5356,7 +5339,7 @@
           <a:p>
             <a:pPr lvl="2"/>
             <a:r>
-              <a:rPr lang="ko-KR" altLang="en-US" sz="1600" smtClean="0">
+              <a:rPr lang="ko-KR" altLang="en-US" sz="1600">
                 <a:ln>
                   <a:solidFill>
                     <a:prstClr val="white">
@@ -5376,7 +5359,7 @@
               <a:t>임무통제 </a:t>
             </a:r>
             <a:r>
-              <a:rPr lang="en-US" altLang="ko-KR" sz="1600" smtClean="0">
+              <a:rPr lang="en-US" altLang="ko-KR" sz="1600">
                 <a:ln>
                   <a:solidFill>
                     <a:prstClr val="white">
@@ -5399,7 +5382,7 @@
           <a:p>
             <a:pPr lvl="3"/>
             <a:r>
-              <a:rPr lang="ko-KR" altLang="en-US" sz="1600" smtClean="0">
+              <a:rPr lang="ko-KR" altLang="en-US" sz="1600">
                 <a:ln>
                   <a:solidFill>
                     <a:prstClr val="white">
@@ -5419,7 +5402,7 @@
               <a:t> 소켓 </a:t>
             </a:r>
             <a:r>
-              <a:rPr lang="en-US" altLang="ko-KR" sz="1600" smtClean="0">
+              <a:rPr lang="en-US" altLang="ko-KR" sz="1600">
                 <a:ln>
                   <a:solidFill>
                     <a:prstClr val="white">
@@ -5442,7 +5425,7 @@
           <a:p>
             <a:pPr lvl="2"/>
             <a:r>
-              <a:rPr lang="ko-KR" altLang="en-US" sz="1600" smtClean="0">
+              <a:rPr lang="ko-KR" altLang="en-US" sz="1600">
                 <a:ln>
                   <a:solidFill>
                     <a:prstClr val="white">
@@ -5462,7 +5445,7 @@
               <a:t>임무통제 </a:t>
             </a:r>
             <a:r>
-              <a:rPr lang="en-US" altLang="ko-KR" sz="1600" smtClean="0">
+              <a:rPr lang="en-US" altLang="ko-KR" sz="1600">
                 <a:ln>
                   <a:solidFill>
                     <a:prstClr val="white">
@@ -5485,7 +5468,7 @@
           <a:p>
             <a:pPr lvl="2"/>
             <a:r>
-              <a:rPr lang="ko-KR" altLang="en-US" sz="1600" smtClean="0">
+              <a:rPr lang="ko-KR" altLang="en-US" sz="1600">
                 <a:ln>
                   <a:solidFill>
                     <a:prstClr val="white">
@@ -5505,7 +5488,7 @@
               <a:t>임무관리 </a:t>
             </a:r>
             <a:r>
-              <a:rPr lang="en-US" altLang="ko-KR" sz="1600" smtClean="0">
+              <a:rPr lang="en-US" altLang="ko-KR" sz="1600">
                 <a:ln>
                   <a:solidFill>
                     <a:prstClr val="white">
@@ -5522,10 +5505,13 @@
                 </a:solidFill>
                 <a:latin typeface="+mn-ea"/>
               </a:rPr>
-              <a:t>– MMA (</a:t>
-            </a:r>
-            <a:r>
-              <a:rPr lang="en-US" altLang="ko-KR" sz="1600">
+              <a:t>– MMA (Mission Manager Algorithm – KIRO)</a:t>
+            </a:r>
+          </a:p>
+          <a:p>
+            <a:pPr lvl="2"/>
+            <a:r>
+              <a:rPr lang="ko-KR" altLang="en-US" sz="1600">
                 <a:ln>
                   <a:solidFill>
                     <a:prstClr val="white">
@@ -5542,7 +5528,7 @@
                 </a:solidFill>
                 <a:latin typeface="+mn-ea"/>
               </a:rPr>
-              <a:t>Mission Manager Algorithm – </a:t>
+              <a:t>운용통제 </a:t>
             </a:r>
             <a:r>
               <a:rPr lang="en-US" altLang="ko-KR" sz="1600">
@@ -5562,10 +5548,13 @@
                 </a:solidFill>
                 <a:latin typeface="+mn-ea"/>
               </a:rPr>
-              <a:t>KIRO</a:t>
-            </a:r>
-            <a:r>
-              <a:rPr lang="en-US" altLang="ko-KR" sz="1600" smtClean="0">
+              <a:t>– OMC (Operate Machine Control – MD)</a:t>
+            </a:r>
+          </a:p>
+          <a:p>
+            <a:pPr lvl="2"/>
+            <a:r>
+              <a:rPr lang="ko-KR" altLang="en-US" sz="1600">
                 <a:ln>
                   <a:solidFill>
                     <a:prstClr val="white">
@@ -5582,30 +5571,10 @@
                 </a:solidFill>
                 <a:latin typeface="+mn-ea"/>
               </a:rPr>
-              <a:t>)</a:t>
-            </a:r>
-            <a:endParaRPr lang="en-US" altLang="ko-KR" sz="1600">
-              <a:ln>
-                <a:solidFill>
-                  <a:prstClr val="white">
-                    <a:lumMod val="65000"/>
-                    <a:alpha val="0"/>
-                  </a:prstClr>
-                </a:solidFill>
-              </a:ln>
-              <a:solidFill>
-                <a:prstClr val="black">
-                  <a:lumMod val="85000"/>
-                  <a:lumOff val="15000"/>
-                </a:prstClr>
-              </a:solidFill>
-              <a:latin typeface="+mn-ea"/>
-            </a:endParaRPr>
-          </a:p>
-          <a:p>
-            <a:pPr lvl="2"/>
-            <a:r>
-              <a:rPr lang="ko-KR" altLang="en-US" sz="1600" smtClean="0">
+              <a:t>로봇플랫폼 </a:t>
+            </a:r>
+            <a:r>
+              <a:rPr lang="en-US" altLang="ko-KR" sz="1600">
                 <a:ln>
                   <a:solidFill>
                     <a:prstClr val="white">
@@ -5622,10 +5591,13 @@
                 </a:solidFill>
                 <a:latin typeface="+mn-ea"/>
               </a:rPr>
-              <a:t>운용통제 </a:t>
-            </a:r>
-            <a:r>
-              <a:rPr lang="en-US" altLang="ko-KR" sz="1600" smtClean="0">
+              <a:t>– Robot (KIRO)</a:t>
+            </a:r>
+          </a:p>
+          <a:p>
+            <a:pPr lvl="2"/>
+            <a:r>
+              <a:rPr lang="ko-KR" altLang="en-US" sz="1600">
                 <a:ln>
                   <a:solidFill>
                     <a:prstClr val="white">
@@ -5642,13 +5614,10 @@
                 </a:solidFill>
                 <a:latin typeface="+mn-ea"/>
               </a:rPr>
-              <a:t>– OMC (Operate Machine Control – MD)</a:t>
-            </a:r>
-          </a:p>
-          <a:p>
-            <a:pPr lvl="2"/>
-            <a:r>
-              <a:rPr lang="ko-KR" altLang="en-US" sz="1600" smtClean="0">
+              <a:t>표적처리알고리즘 </a:t>
+            </a:r>
+            <a:r>
+              <a:rPr lang="en-US" altLang="ko-KR" sz="1600">
                 <a:ln>
                   <a:solidFill>
                     <a:prstClr val="white">
@@ -5665,10 +5634,13 @@
                 </a:solidFill>
                 <a:latin typeface="+mn-ea"/>
               </a:rPr>
-              <a:t>로봇플랫폼 </a:t>
-            </a:r>
-            <a:r>
-              <a:rPr lang="en-US" altLang="ko-KR" sz="1600" smtClean="0">
+              <a:t>– Detector(GIST)</a:t>
+            </a:r>
+          </a:p>
+          <a:p>
+            <a:pPr lvl="3"/>
+            <a:r>
+              <a:rPr lang="en-US" altLang="ko-KR" sz="1600">
                 <a:ln>
                   <a:solidFill>
                     <a:prstClr val="white">
@@ -5685,13 +5657,10 @@
                 </a:solidFill>
                 <a:latin typeface="+mn-ea"/>
               </a:rPr>
-              <a:t>– Robot (KIRO)</a:t>
-            </a:r>
-          </a:p>
-          <a:p>
-            <a:pPr lvl="2"/>
-            <a:r>
-              <a:rPr lang="ko-KR" altLang="en-US" sz="1600" smtClean="0">
+              <a:t> </a:t>
+            </a:r>
+            <a:r>
+              <a:rPr lang="ko-KR" altLang="en-US" sz="1600">
                 <a:ln>
                   <a:solidFill>
                     <a:prstClr val="white">
@@ -5708,10 +5677,10 @@
                 </a:solidFill>
                 <a:latin typeface="+mn-ea"/>
               </a:rPr>
-              <a:t>표적처리알고리즘 </a:t>
-            </a:r>
-            <a:r>
-              <a:rPr lang="en-US" altLang="ko-KR" sz="1600" smtClean="0">
+              <a:t>소켓 </a:t>
+            </a:r>
+            <a:r>
+              <a:rPr lang="en-US" altLang="ko-KR" sz="1600">
                 <a:ln>
                   <a:solidFill>
                     <a:prstClr val="white">
@@ -5728,13 +5697,10 @@
                 </a:solidFill>
                 <a:latin typeface="+mn-ea"/>
               </a:rPr>
-              <a:t>– Detector(GIST)</a:t>
-            </a:r>
-          </a:p>
-          <a:p>
-            <a:pPr lvl="3"/>
-            <a:r>
-              <a:rPr lang="en-US" altLang="ko-KR" sz="1600" smtClean="0">
+              <a:t>: Server [</a:t>
+            </a:r>
+            <a:r>
+              <a:rPr lang="ko-KR" altLang="en-US" sz="1600">
                 <a:ln>
                   <a:solidFill>
                     <a:prstClr val="white">
@@ -5751,10 +5717,10 @@
                 </a:solidFill>
                 <a:latin typeface="+mn-ea"/>
               </a:rPr>
-              <a:t> </a:t>
-            </a:r>
-            <a:r>
-              <a:rPr lang="ko-KR" altLang="en-US" sz="1600" smtClean="0">
+              <a:t>감시영상 표적처리</a:t>
+            </a:r>
+            <a:r>
+              <a:rPr lang="en-US" altLang="ko-KR" sz="1600">
                 <a:ln>
                   <a:solidFill>
                     <a:prstClr val="white">
@@ -5771,10 +5737,13 @@
                 </a:solidFill>
                 <a:latin typeface="+mn-ea"/>
               </a:rPr>
-              <a:t>소켓 </a:t>
-            </a:r>
-            <a:r>
-              <a:rPr lang="en-US" altLang="ko-KR" sz="1600" smtClean="0">
+              <a:t>]</a:t>
+            </a:r>
+          </a:p>
+          <a:p>
+            <a:pPr lvl="2"/>
+            <a:r>
+              <a:rPr lang="ko-KR" altLang="en-US" sz="1600">
                 <a:ln>
                   <a:solidFill>
                     <a:prstClr val="white">
@@ -5791,10 +5760,10 @@
                 </a:solidFill>
                 <a:latin typeface="+mn-ea"/>
               </a:rPr>
-              <a:t>: Server [</a:t>
-            </a:r>
-            <a:r>
-              <a:rPr lang="ko-KR" altLang="en-US" sz="1600" smtClean="0">
+              <a:t>감시장비 </a:t>
+            </a:r>
+            <a:r>
+              <a:rPr lang="en-US" altLang="ko-KR" sz="1600">
                 <a:ln>
                   <a:solidFill>
                     <a:prstClr val="white">
@@ -5811,10 +5780,13 @@
                 </a:solidFill>
                 <a:latin typeface="+mn-ea"/>
               </a:rPr>
-              <a:t>감시영상 표적처리</a:t>
-            </a:r>
-            <a:r>
-              <a:rPr lang="en-US" altLang="ko-KR" sz="1600" smtClean="0">
+              <a:t>– Detector</a:t>
+            </a:r>
+          </a:p>
+          <a:p>
+            <a:pPr lvl="3"/>
+            <a:r>
+              <a:rPr lang="en-US" altLang="ko-KR" sz="1600">
                 <a:ln>
                   <a:solidFill>
                     <a:prstClr val="white">
@@ -5831,13 +5803,10 @@
                 </a:solidFill>
                 <a:latin typeface="+mn-ea"/>
               </a:rPr>
-              <a:t>]</a:t>
-            </a:r>
-          </a:p>
-          <a:p>
-            <a:pPr lvl="2"/>
-            <a:r>
-              <a:rPr lang="ko-KR" altLang="en-US" sz="1600" smtClean="0">
+              <a:t> </a:t>
+            </a:r>
+            <a:r>
+              <a:rPr lang="ko-KR" altLang="en-US" sz="1600">
                 <a:ln>
                   <a:solidFill>
                     <a:prstClr val="white">
@@ -5854,10 +5823,10 @@
                 </a:solidFill>
                 <a:latin typeface="+mn-ea"/>
               </a:rPr>
-              <a:t>감시장비 </a:t>
-            </a:r>
-            <a:r>
-              <a:rPr lang="en-US" altLang="ko-KR" sz="1600" smtClean="0">
+              <a:t>소켓 </a:t>
+            </a:r>
+            <a:r>
+              <a:rPr lang="en-US" altLang="ko-KR" sz="1600">
                 <a:ln>
                   <a:solidFill>
                     <a:prstClr val="white">
@@ -5874,13 +5843,10 @@
                 </a:solidFill>
                 <a:latin typeface="+mn-ea"/>
               </a:rPr>
-              <a:t>– Detector</a:t>
-            </a:r>
-          </a:p>
-          <a:p>
-            <a:pPr lvl="3"/>
-            <a:r>
-              <a:rPr lang="en-US" altLang="ko-KR" sz="1600" smtClean="0">
+              <a:t>: Server [</a:t>
+            </a:r>
+            <a:r>
+              <a:rPr lang="ko-KR" altLang="en-US" sz="1600">
                 <a:ln>
                   <a:solidFill>
                     <a:prstClr val="white">
@@ -5897,70 +5863,10 @@
                 </a:solidFill>
                 <a:latin typeface="+mn-ea"/>
               </a:rPr>
-              <a:t> </a:t>
-            </a:r>
-            <a:r>
-              <a:rPr lang="ko-KR" altLang="en-US" sz="1600" smtClean="0">
-                <a:ln>
-                  <a:solidFill>
-                    <a:prstClr val="white">
-                      <a:lumMod val="65000"/>
-                      <a:alpha val="0"/>
-                    </a:prstClr>
-                  </a:solidFill>
-                </a:ln>
-                <a:solidFill>
-                  <a:prstClr val="black">
-                    <a:lumMod val="85000"/>
-                    <a:lumOff val="15000"/>
-                  </a:prstClr>
-                </a:solidFill>
-                <a:latin typeface="+mn-ea"/>
-              </a:rPr>
-              <a:t>소켓 </a:t>
-            </a:r>
-            <a:r>
-              <a:rPr lang="en-US" altLang="ko-KR" sz="1600" smtClean="0">
-                <a:ln>
-                  <a:solidFill>
-                    <a:prstClr val="white">
-                      <a:lumMod val="65000"/>
-                      <a:alpha val="0"/>
-                    </a:prstClr>
-                  </a:solidFill>
-                </a:ln>
-                <a:solidFill>
-                  <a:prstClr val="black">
-                    <a:lumMod val="85000"/>
-                    <a:lumOff val="15000"/>
-                  </a:prstClr>
-                </a:solidFill>
-                <a:latin typeface="+mn-ea"/>
-              </a:rPr>
-              <a:t>: Server [</a:t>
-            </a:r>
-            <a:r>
-              <a:rPr lang="ko-KR" altLang="en-US" sz="1600" smtClean="0">
-                <a:ln>
-                  <a:solidFill>
-                    <a:prstClr val="white">
-                      <a:lumMod val="65000"/>
-                      <a:alpha val="0"/>
-                    </a:prstClr>
-                  </a:solidFill>
-                </a:ln>
-                <a:solidFill>
-                  <a:prstClr val="black">
-                    <a:lumMod val="85000"/>
-                    <a:lumOff val="15000"/>
-                  </a:prstClr>
-                </a:solidFill>
-                <a:latin typeface="+mn-ea"/>
-              </a:rPr>
               <a:t>감시영상 및 장비제어</a:t>
             </a:r>
             <a:r>
-              <a:rPr lang="en-US" altLang="ko-KR" sz="1600" smtClean="0">
+              <a:rPr lang="en-US" altLang="ko-KR" sz="1600">
                 <a:ln>
                   <a:solidFill>
                     <a:prstClr val="white">
@@ -6299,7 +6205,7 @@
               <a:t>지휘통제소 </a:t>
             </a:r>
             <a:r>
-              <a:rPr lang="en-US" altLang="ko-KR" sz="1000" smtClean="0">
+              <a:rPr lang="en-US" altLang="ko-KR" sz="1000">
                 <a:ln>
                   <a:solidFill>
                     <a:schemeClr val="accent1">
@@ -6312,7 +6218,7 @@
               <a:t>SW </a:t>
             </a:r>
             <a:r>
-              <a:rPr lang="ko-KR" altLang="en-US" sz="1000" smtClean="0">
+              <a:rPr lang="ko-KR" altLang="en-US" sz="1000">
                 <a:ln>
                   <a:solidFill>
                     <a:schemeClr val="accent1">
@@ -6325,7 +6231,7 @@
               <a:t>구성도</a:t>
             </a:r>
             <a:r>
-              <a:rPr lang="en-US" altLang="ko-KR" sz="1000" smtClean="0">
+              <a:rPr lang="en-US" altLang="ko-KR" sz="1000">
                 <a:ln>
                   <a:solidFill>
                     <a:schemeClr val="accent1">
@@ -6531,7 +6437,7 @@
               <a:p>
                 <a:pPr algn="ctr"/>
                 <a:r>
-                  <a:rPr lang="en-US" altLang="ko-KR" sz="1100" smtClean="0">
+                  <a:rPr lang="en-US" altLang="ko-KR" sz="1100">
                     <a:ln>
                       <a:solidFill>
                         <a:schemeClr val="accent1">
@@ -6549,7 +6455,7 @@
                   </a:rPr>
                   <a:t>MMC(GUI)</a:t>
                 </a:r>
-                <a:endParaRPr lang="ko-KR" altLang="en-US" sz="1100" smtClean="0">
+                <a:endParaRPr lang="ko-KR" altLang="en-US" sz="1100">
                   <a:ln>
                     <a:solidFill>
                       <a:schemeClr val="accent1">
@@ -6615,7 +6521,7 @@
               <a:p>
                 <a:pPr algn="ctr"/>
                 <a:r>
-                  <a:rPr lang="en-US" altLang="ko-KR" sz="1100" smtClean="0">
+                  <a:rPr lang="en-US" altLang="ko-KR" sz="1100">
                     <a:ln>
                       <a:solidFill>
                         <a:schemeClr val="accent1">
@@ -6633,7 +6539,7 @@
                   </a:rPr>
                   <a:t>MMS(Dataset)</a:t>
                 </a:r>
-                <a:endParaRPr lang="ko-KR" altLang="en-US" sz="1100" smtClean="0">
+                <a:endParaRPr lang="ko-KR" altLang="en-US" sz="1100">
                   <a:ln>
                     <a:solidFill>
                       <a:schemeClr val="accent1">
@@ -6699,7 +6605,7 @@
               <a:p>
                 <a:pPr algn="ctr"/>
                 <a:r>
-                  <a:rPr lang="en-US" altLang="ko-KR" sz="1100" smtClean="0">
+                  <a:rPr lang="en-US" altLang="ko-KR" sz="1100">
                     <a:ln>
                       <a:solidFill>
                         <a:schemeClr val="accent1">
@@ -6717,7 +6623,7 @@
                   </a:rPr>
                   <a:t>OMC(GUI)</a:t>
                 </a:r>
-                <a:endParaRPr lang="ko-KR" altLang="en-US" sz="1100" smtClean="0">
+                <a:endParaRPr lang="ko-KR" altLang="en-US" sz="1100">
                   <a:ln>
                     <a:solidFill>
                       <a:schemeClr val="accent1">
@@ -6783,7 +6689,7 @@
               <a:p>
                 <a:pPr algn="ctr"/>
                 <a:r>
-                  <a:rPr lang="en-US" altLang="ko-KR" sz="1100" smtClean="0">
+                  <a:rPr lang="en-US" altLang="ko-KR" sz="1100">
                     <a:ln>
                       <a:solidFill>
                         <a:schemeClr val="accent1">
@@ -6805,7 +6711,7 @@
               <a:p>
                 <a:pPr algn="ctr"/>
                 <a:r>
-                  <a:rPr lang="en-US" altLang="ko-KR" sz="1100" smtClean="0">
+                  <a:rPr lang="en-US" altLang="ko-KR" sz="1100">
                     <a:ln>
                       <a:solidFill>
                         <a:schemeClr val="accent1">
@@ -6823,7 +6729,7 @@
                   </a:rPr>
                   <a:t>(KIRO)</a:t>
                 </a:r>
-                <a:endParaRPr lang="ko-KR" altLang="en-US" sz="1100" smtClean="0">
+                <a:endParaRPr lang="ko-KR" altLang="en-US" sz="1100">
                   <a:ln>
                     <a:solidFill>
                       <a:schemeClr val="accent1">
@@ -6889,7 +6795,7 @@
               <a:p>
                 <a:pPr algn="ctr"/>
                 <a:r>
-                  <a:rPr lang="en-US" altLang="ko-KR" sz="1100" smtClean="0">
+                  <a:rPr lang="en-US" altLang="ko-KR" sz="1100">
                     <a:ln>
                       <a:solidFill>
                         <a:schemeClr val="accent1">
@@ -6905,28 +6811,9 @@
                       </a:schemeClr>
                     </a:solidFill>
                   </a:rPr>
-                  <a:t>Detector(GIST</a:t>
+                  <a:t>Detector(GIST)</a:t>
                 </a:r>
-                <a:r>
-                  <a:rPr lang="en-US" altLang="ko-KR" sz="1100" smtClean="0">
-                    <a:ln>
-                      <a:solidFill>
-                        <a:schemeClr val="accent1">
-                          <a:shade val="50000"/>
-                          <a:alpha val="0"/>
-                        </a:schemeClr>
-                      </a:solidFill>
-                    </a:ln>
-                    <a:solidFill>
-                      <a:schemeClr val="tx1">
-                        <a:lumMod val="85000"/>
-                        <a:lumOff val="15000"/>
-                      </a:schemeClr>
-                    </a:solidFill>
-                  </a:rPr>
-                  <a:t>)</a:t>
-                </a:r>
-                <a:endParaRPr lang="ko-KR" altLang="en-US" sz="1100" smtClean="0">
+                <a:endParaRPr lang="ko-KR" altLang="en-US" sz="1100">
                   <a:ln>
                     <a:solidFill>
                       <a:schemeClr val="accent1">
@@ -6992,7 +6879,7 @@
               <a:p>
                 <a:pPr algn="ctr"/>
                 <a:r>
-                  <a:rPr lang="en-US" altLang="ko-KR" sz="1100" smtClean="0">
+                  <a:rPr lang="en-US" altLang="ko-KR" sz="1100">
                     <a:ln>
                       <a:solidFill>
                         <a:schemeClr val="accent1">
@@ -7014,7 +6901,7 @@
               <a:p>
                 <a:pPr algn="ctr"/>
                 <a:r>
-                  <a:rPr lang="en-US" altLang="ko-KR" sz="1100" smtClean="0">
+                  <a:rPr lang="en-US" altLang="ko-KR" sz="1100">
                     <a:ln>
                       <a:solidFill>
                         <a:schemeClr val="accent1">
@@ -7032,7 +6919,7 @@
                   </a:rPr>
                   <a:t>(EOIR)</a:t>
                 </a:r>
-                <a:endParaRPr lang="ko-KR" altLang="en-US" sz="1100" smtClean="0">
+                <a:endParaRPr lang="ko-KR" altLang="en-US" sz="1100">
                   <a:ln>
                     <a:solidFill>
                       <a:schemeClr val="accent1">
@@ -7339,7 +7226,7 @@
               <a:p>
                 <a:pPr algn="ctr"/>
                 <a:r>
-                  <a:rPr lang="en-US" altLang="ko-KR" sz="1100" smtClean="0">
+                  <a:rPr lang="en-US" altLang="ko-KR" sz="1100">
                     <a:ln>
                       <a:solidFill>
                         <a:schemeClr val="accent1">
@@ -7357,7 +7244,7 @@
                   </a:rPr>
                   <a:t>MMA(KIRO)</a:t>
                 </a:r>
-                <a:endParaRPr lang="ko-KR" altLang="en-US" sz="1100" smtClean="0">
+                <a:endParaRPr lang="ko-KR" altLang="en-US" sz="1100">
                   <a:ln>
                     <a:solidFill>
                       <a:schemeClr val="accent1">
@@ -7696,7 +7583,7 @@
           </a:lstStyle>
           <a:p>
             <a:r>
-              <a:rPr lang="ko-KR" altLang="en-US" smtClean="0">
+              <a:rPr lang="ko-KR" altLang="en-US">
                 <a:ln>
                   <a:solidFill>
                     <a:prstClr val="white">
@@ -7715,7 +7602,7 @@
               </a:rPr>
               <a:t>소프트웨어 원격 연동 작업 주소</a:t>
             </a:r>
-            <a:endParaRPr lang="en-US" altLang="ko-KR" smtClean="0">
+            <a:endParaRPr lang="en-US" altLang="ko-KR">
               <a:ln>
                 <a:solidFill>
                   <a:prstClr val="white">
@@ -7754,51 +7641,9 @@
                 <a:latin typeface="+mn-ea"/>
                 <a:hlinkClick r:id="rId5"/>
               </a:rPr>
-              <a:t>https</a:t>
-            </a:r>
-            <a:r>
-              <a:rPr lang="en-US" altLang="ko-KR">
-                <a:ln>
-                  <a:solidFill>
-                    <a:prstClr val="white">
-                      <a:lumMod val="65000"/>
-                      <a:alpha val="0"/>
-                    </a:prstClr>
-                  </a:solidFill>
-                </a:ln>
-                <a:solidFill>
-                  <a:prstClr val="black">
-                    <a:lumMod val="85000"/>
-                    <a:lumOff val="15000"/>
-                  </a:prstClr>
-                </a:solidFill>
-                <a:latin typeface="+mn-ea"/>
-                <a:hlinkClick r:id="rId5"/>
-              </a:rPr>
-              <a:t>://</a:t>
-            </a:r>
-            <a:r>
-              <a:rPr lang="en-US" altLang="ko-KR" smtClean="0">
-                <a:ln>
-                  <a:solidFill>
-                    <a:prstClr val="white">
-                      <a:lumMod val="65000"/>
-                      <a:alpha val="0"/>
-                    </a:prstClr>
-                  </a:solidFill>
-                </a:ln>
-                <a:solidFill>
-                  <a:prstClr val="black">
-                    <a:lumMod val="85000"/>
-                    <a:lumOff val="15000"/>
-                  </a:prstClr>
-                </a:solidFill>
-                <a:latin typeface="+mn-ea"/>
-                <a:hlinkClick r:id="rId5"/>
-              </a:rPr>
-              <a:t>github.com/pjtmeetjhkim-prog/AmphibiousControlCenter/tree/main/Apps/</a:t>
-            </a:r>
-            <a:endParaRPr lang="en-US" altLang="ko-KR" smtClean="0">
+              <a:t>https://github.com/pjtmeetjhkim-prog/AmphibiousControlCenter/tree/main/Apps/</a:t>
+            </a:r>
+            <a:endParaRPr lang="en-US" altLang="ko-KR">
               <a:ln>
                 <a:solidFill>
                   <a:prstClr val="white">
@@ -7819,7 +7664,7 @@
           <a:p>
             <a:pPr lvl="1"/>
             <a:r>
-              <a:rPr lang="ko-KR" altLang="en-US" smtClean="0">
+              <a:rPr lang="ko-KR" altLang="en-US">
                 <a:ln>
                   <a:solidFill>
                     <a:prstClr val="white">
@@ -7839,7 +7684,7 @@
               <a:t>메인 참조 프로젝트 </a:t>
             </a:r>
             <a:r>
-              <a:rPr lang="en-US" altLang="ko-KR" smtClean="0">
+              <a:rPr lang="en-US" altLang="ko-KR">
                 <a:ln>
                   <a:solidFill>
                     <a:prstClr val="white">
@@ -7859,7 +7704,7 @@
               <a:t>[main]</a:t>
             </a:r>
             <a:r>
-              <a:rPr lang="ko-KR" altLang="en-US" smtClean="0">
+              <a:rPr lang="ko-KR" altLang="en-US">
                 <a:ln>
                   <a:solidFill>
                     <a:prstClr val="white">
@@ -7878,7 +7723,7 @@
               </a:rPr>
               <a:t> </a:t>
             </a:r>
-            <a:endParaRPr lang="en-US" altLang="ko-KR" smtClean="0">
+            <a:endParaRPr lang="en-US" altLang="ko-KR">
               <a:ln>
                 <a:solidFill>
                   <a:prstClr val="white">
@@ -7899,7 +7744,7 @@
           <a:p>
             <a:pPr lvl="1"/>
             <a:r>
-              <a:rPr lang="ko-KR" altLang="en-US" smtClean="0">
+              <a:rPr lang="ko-KR" altLang="en-US">
                 <a:ln>
                   <a:solidFill>
                     <a:prstClr val="white">
@@ -7939,7 +7784,7 @@
               <a:t> </a:t>
             </a:r>
             <a:r>
-              <a:rPr lang="ko-KR" altLang="en-US" smtClean="0">
+              <a:rPr lang="ko-KR" altLang="en-US">
                 <a:ln>
                   <a:solidFill>
                     <a:prstClr val="white">
@@ -7958,7 +7803,7 @@
               </a:rPr>
               <a:t>업로드 경로</a:t>
             </a:r>
-            <a:endParaRPr lang="en-US" altLang="ko-KR" smtClean="0">
+            <a:endParaRPr lang="en-US" altLang="ko-KR">
               <a:ln>
                 <a:solidFill>
                   <a:prstClr val="white">
@@ -7979,7 +7824,7 @@
           <a:p>
             <a:pPr lvl="2"/>
             <a:r>
-              <a:rPr lang="en-US" altLang="ko-KR" smtClean="0">
+              <a:rPr lang="en-US" altLang="ko-KR">
                 <a:ln>
                   <a:solidFill>
                     <a:prstClr val="white">
@@ -7999,7 +7844,7 @@
               <a:t>[kiro] / [md] </a:t>
             </a:r>
             <a:r>
-              <a:rPr lang="ko-KR" altLang="en-US" smtClean="0">
+              <a:rPr lang="ko-KR" altLang="en-US">
                 <a:ln>
                   <a:solidFill>
                     <a:prstClr val="white">
@@ -8019,7 +7864,7 @@
               <a:t>브렌치</a:t>
             </a:r>
             <a:r>
-              <a:rPr lang="en-US" altLang="ko-KR" smtClean="0">
+              <a:rPr lang="en-US" altLang="ko-KR">
                 <a:ln>
                   <a:solidFill>
                     <a:prstClr val="white">
@@ -8039,7 +7884,7 @@
               <a:t>(</a:t>
             </a:r>
             <a:r>
-              <a:rPr lang="ko-KR" altLang="en-US" smtClean="0">
+              <a:rPr lang="ko-KR" altLang="en-US">
                 <a:ln>
                   <a:solidFill>
                     <a:prstClr val="white">
@@ -8059,7 +7904,7 @@
               <a:t>프로젝트</a:t>
             </a:r>
             <a:r>
-              <a:rPr lang="en-US" altLang="ko-KR" smtClean="0">
+              <a:rPr lang="en-US" altLang="ko-KR">
                 <a:ln>
                   <a:solidFill>
                     <a:prstClr val="white">
@@ -8082,7 +7927,7 @@
           <a:p>
             <a:pPr lvl="3"/>
             <a:r>
-              <a:rPr lang="ko-KR" altLang="en-US" smtClean="0">
+              <a:rPr lang="ko-KR" altLang="en-US">
                 <a:ln>
                   <a:solidFill>
                     <a:prstClr val="white">
@@ -8102,7 +7947,7 @@
               <a:t>해당 경로 별도 제작 소프트웨어 업데이트 업로드</a:t>
             </a:r>
             <a:r>
-              <a:rPr lang="en-US" altLang="ko-KR" smtClean="0">
+              <a:rPr lang="en-US" altLang="ko-KR">
                 <a:ln>
                   <a:solidFill>
                     <a:prstClr val="white">
@@ -8122,7 +7967,7 @@
               <a:t>(push) &gt;&gt; </a:t>
             </a:r>
             <a:r>
-              <a:rPr lang="ko-KR" altLang="en-US" smtClean="0">
+              <a:rPr lang="ko-KR" altLang="en-US">
                 <a:ln>
                   <a:solidFill>
                     <a:prstClr val="white">
@@ -8141,7 +7986,7 @@
               </a:rPr>
               <a:t>공유 및 테스트 활용</a:t>
             </a:r>
-            <a:endParaRPr lang="en-US" altLang="ko-KR" smtClean="0">
+            <a:endParaRPr lang="en-US" altLang="ko-KR">
               <a:ln>
                 <a:solidFill>
                   <a:prstClr val="white">
@@ -8161,7 +8006,7 @@
           </a:p>
           <a:p>
             <a:pPr lvl="3"/>
-            <a:endParaRPr lang="en-US" altLang="ko-KR" smtClean="0">
+            <a:endParaRPr lang="en-US" altLang="ko-KR">
               <a:ln>
                 <a:solidFill>
                   <a:prstClr val="white">
@@ -8181,7 +8026,7 @@
           </a:p>
           <a:p>
             <a:r>
-              <a:rPr lang="ko-KR" altLang="en-US" smtClean="0">
+              <a:rPr lang="ko-KR" altLang="en-US">
                 <a:ln>
                   <a:solidFill>
                     <a:prstClr val="white">
@@ -8200,7 +8045,7 @@
               </a:rPr>
               <a:t>소프트웨어 원격 작업 진행 사전 설치 필요 사항</a:t>
             </a:r>
-            <a:endParaRPr lang="en-US" altLang="ko-KR" smtClean="0">
+            <a:endParaRPr lang="en-US" altLang="ko-KR">
               <a:ln>
                 <a:solidFill>
                   <a:prstClr val="white">
@@ -8221,7 +8066,7 @@
           <a:p>
             <a:pPr lvl="1"/>
             <a:r>
-              <a:rPr lang="en-US" altLang="ko-KR" sz="1600" smtClean="0">
+              <a:rPr lang="en-US" altLang="ko-KR" sz="1600">
                 <a:ln>
                   <a:solidFill>
                     <a:prstClr val="white">
@@ -8241,7 +8086,7 @@
               <a:t>Git </a:t>
             </a:r>
             <a:r>
-              <a:rPr lang="ko-KR" altLang="en-US" sz="1600" smtClean="0">
+              <a:rPr lang="ko-KR" altLang="en-US" sz="1600">
                 <a:ln>
                   <a:solidFill>
                     <a:prstClr val="white">
@@ -8260,7 +8105,7 @@
               </a:rPr>
               <a:t>설치</a:t>
             </a:r>
-            <a:endParaRPr lang="en-US" altLang="ko-KR" sz="1600" smtClean="0">
+            <a:endParaRPr lang="en-US" altLang="ko-KR" sz="1600">
               <a:ln>
                 <a:solidFill>
                   <a:prstClr val="white">
@@ -8286,7 +8131,7 @@
               </a:rPr>
               <a:t>https://git-scm.com/</a:t>
             </a:r>
-            <a:endParaRPr lang="en-US" altLang="ko-KR" sz="1400" smtClean="0">
+            <a:endParaRPr lang="en-US" altLang="ko-KR" sz="1400">
               <a:ln>
                 <a:solidFill>
                   <a:prstClr val="white">
@@ -8307,7 +8152,7 @@
           <a:p>
             <a:pPr lvl="1"/>
             <a:r>
-              <a:rPr lang="en-US" altLang="ko-KR" sz="1600" smtClean="0">
+              <a:rPr lang="en-US" altLang="ko-KR" sz="1600">
                 <a:ln>
                   <a:solidFill>
                     <a:prstClr val="white">
@@ -8327,7 +8172,7 @@
               <a:t>Powershell </a:t>
             </a:r>
             <a:r>
-              <a:rPr lang="ko-KR" altLang="en-US" sz="1600" smtClean="0">
+              <a:rPr lang="ko-KR" altLang="en-US" sz="1600">
                 <a:ln>
                   <a:solidFill>
                     <a:prstClr val="white">
@@ -8346,7 +8191,7 @@
               </a:rPr>
               <a:t>상위 버전 설치</a:t>
             </a:r>
-            <a:endParaRPr lang="en-US" altLang="ko-KR" sz="1600" smtClean="0">
+            <a:endParaRPr lang="en-US" altLang="ko-KR" sz="1600">
               <a:ln>
                 <a:solidFill>
                   <a:prstClr val="white">
@@ -8367,7 +8212,7 @@
           <a:p>
             <a:pPr lvl="1"/>
             <a:r>
-              <a:rPr lang="en-US" altLang="ko-KR" sz="1600" smtClean="0">
+              <a:rPr lang="en-US" altLang="ko-KR" sz="1600">
                 <a:ln>
                   <a:solidFill>
                     <a:prstClr val="white">
@@ -8387,7 +8232,7 @@
               <a:t>Node.Js </a:t>
             </a:r>
             <a:r>
-              <a:rPr lang="ko-KR" altLang="en-US" sz="1600" smtClean="0">
+              <a:rPr lang="ko-KR" altLang="en-US" sz="1600">
                 <a:ln>
                   <a:solidFill>
                     <a:prstClr val="white">
@@ -8406,7 +8251,7 @@
               </a:rPr>
               <a:t>설치</a:t>
             </a:r>
-            <a:endParaRPr lang="en-US" altLang="ko-KR" sz="1600" smtClean="0">
+            <a:endParaRPr lang="en-US" altLang="ko-KR" sz="1600">
               <a:ln>
                 <a:solidFill>
                   <a:prstClr val="white">
@@ -8432,7 +8277,7 @@
               </a:rPr>
               <a:t>https://nodejs.org/ko/download</a:t>
             </a:r>
-            <a:endParaRPr lang="en-US" altLang="ko-KR" sz="1400" smtClean="0">
+            <a:endParaRPr lang="en-US" altLang="ko-KR" sz="1400">
               <a:ln>
                 <a:solidFill>
                   <a:prstClr val="white">
@@ -8510,47 +8355,7 @@
                 </a:solidFill>
                 <a:latin typeface="+mn-ea"/>
               </a:rPr>
-              <a:t>에서 </a:t>
-            </a:r>
-            <a:r>
-              <a:rPr lang="ko-KR" altLang="en-US">
-                <a:ln>
-                  <a:solidFill>
-                    <a:prstClr val="white">
-                      <a:lumMod val="65000"/>
-                      <a:alpha val="0"/>
-                    </a:prstClr>
-                  </a:solidFill>
-                </a:ln>
-                <a:solidFill>
-                  <a:prstClr val="black">
-                    <a:lumMod val="85000"/>
-                    <a:lumOff val="15000"/>
-                  </a:prstClr>
-                </a:solidFill>
-                <a:latin typeface="+mn-ea"/>
-              </a:rPr>
-              <a:t>세부 </a:t>
-            </a:r>
-            <a:r>
-              <a:rPr lang="ko-KR" altLang="en-US" smtClean="0">
-                <a:ln>
-                  <a:solidFill>
-                    <a:prstClr val="white">
-                      <a:lumMod val="65000"/>
-                      <a:alpha val="0"/>
-                    </a:prstClr>
-                  </a:solidFill>
-                </a:ln>
-                <a:solidFill>
-                  <a:prstClr val="black">
-                    <a:lumMod val="85000"/>
-                    <a:lumOff val="15000"/>
-                  </a:prstClr>
-                </a:solidFill>
-                <a:latin typeface="+mn-ea"/>
-              </a:rPr>
-              <a:t>필요 사항 별도 확인</a:t>
+              <a:t>에서 세부 필요 사항 별도 확인</a:t>
             </a:r>
             <a:endParaRPr lang="en-US" altLang="ko-KR">
               <a:ln>
@@ -8613,7 +8418,7 @@
           <a:p>
             <a:pPr lvl="3"/>
             <a:r>
-              <a:rPr lang="ko-KR" altLang="en-US" smtClean="0">
+              <a:rPr lang="ko-KR" altLang="en-US">
                 <a:ln>
                   <a:solidFill>
                     <a:prstClr val="white">
@@ -8632,7 +8437,7 @@
               </a:rPr>
               <a:t>실행 에러 예시</a:t>
             </a:r>
-            <a:endParaRPr lang="en-US" altLang="ko-KR" smtClean="0">
+            <a:endParaRPr lang="en-US" altLang="ko-KR">
               <a:ln>
                 <a:solidFill>
                   <a:prstClr val="white">
@@ -8655,7 +8460,7 @@
               <a:buNone/>
             </a:pPr>
             <a:r>
-              <a:rPr lang="en-US" altLang="ko-KR" smtClean="0">
+              <a:rPr lang="en-US" altLang="ko-KR">
                 <a:ln>
                   <a:solidFill>
                     <a:prstClr val="white">
@@ -8674,27 +8479,10 @@
               </a:rPr>
               <a:t> : [ModuleNotFoundError : No module named ‘PySide6’   </a:t>
             </a:r>
-            <a:endParaRPr lang="en-US" altLang="ko-KR">
-              <a:ln>
-                <a:solidFill>
-                  <a:prstClr val="white">
-                    <a:lumMod val="65000"/>
-                    <a:alpha val="0"/>
-                  </a:prstClr>
-                </a:solidFill>
-              </a:ln>
-              <a:solidFill>
-                <a:prstClr val="black">
-                  <a:lumMod val="85000"/>
-                  <a:lumOff val="15000"/>
-                </a:prstClr>
-              </a:solidFill>
-              <a:latin typeface="+mn-ea"/>
-            </a:endParaRPr>
           </a:p>
           <a:p>
             <a:pPr lvl="1"/>
-            <a:endParaRPr lang="en-US" altLang="ko-KR" sz="1600" smtClean="0">
+            <a:endParaRPr lang="en-US" altLang="ko-KR" sz="1600">
               <a:ln>
                 <a:solidFill>
                   <a:prstClr val="white">
@@ -8750,7 +8538,7 @@
               <a:t>] </a:t>
             </a:r>
             <a:r>
-              <a:rPr lang="ko-KR" altLang="en-US" smtClean="0">
+              <a:rPr lang="ko-KR" altLang="en-US">
                 <a:latin typeface="+mn-ea"/>
               </a:rPr>
               <a:t>소프트웨어 원격 연동 작업</a:t>
@@ -9302,7 +9090,7 @@
           </a:lstStyle>
           <a:p>
             <a:r>
-              <a:rPr lang="ko-KR" altLang="en-US" smtClean="0">
+              <a:rPr lang="ko-KR" altLang="en-US" dirty="0">
                 <a:ln>
                   <a:solidFill>
                     <a:prstClr val="white">
@@ -9322,7 +9110,7 @@
               <a:t>소프트웨어 공용 데이터</a:t>
             </a:r>
             <a:r>
-              <a:rPr lang="en-US" altLang="ko-KR" smtClean="0">
+              <a:rPr lang="en-US" altLang="ko-KR" dirty="0">
                 <a:ln>
                   <a:solidFill>
                     <a:prstClr val="white">
@@ -9339,13 +9127,10 @@
                 </a:solidFill>
                 <a:latin typeface="+mn-ea"/>
               </a:rPr>
-              <a:t>(metadata.json)</a:t>
-            </a:r>
-          </a:p>
-          <a:p>
-            <a:pPr lvl="1"/>
-            <a:r>
-              <a:rPr lang="ko-KR" altLang="en-US" smtClean="0">
+              <a:t>(</a:t>
+            </a:r>
+            <a:r>
+              <a:rPr lang="en-US" altLang="ko-KR" dirty="0" err="1">
                 <a:ln>
                   <a:solidFill>
                     <a:prstClr val="white">
@@ -9362,9 +9147,52 @@
                 </a:solidFill>
                 <a:latin typeface="+mn-ea"/>
               </a:rPr>
+              <a:t>metadata.json</a:t>
+            </a:r>
+            <a:r>
+              <a:rPr lang="en-US" altLang="ko-KR" dirty="0">
+                <a:ln>
+                  <a:solidFill>
+                    <a:prstClr val="white">
+                      <a:lumMod val="65000"/>
+                      <a:alpha val="0"/>
+                    </a:prstClr>
+                  </a:solidFill>
+                </a:ln>
+                <a:solidFill>
+                  <a:prstClr val="black">
+                    <a:lumMod val="85000"/>
+                    <a:lumOff val="15000"/>
+                  </a:prstClr>
+                </a:solidFill>
+                <a:latin typeface="+mn-ea"/>
+              </a:rPr>
+              <a:t>)</a:t>
+            </a:r>
+          </a:p>
+          <a:p>
+            <a:pPr lvl="1"/>
+            <a:r>
+              <a:rPr lang="ko-KR" altLang="en-US" dirty="0">
+                <a:ln>
+                  <a:solidFill>
+                    <a:prstClr val="white">
+                      <a:lumMod val="65000"/>
+                      <a:alpha val="0"/>
+                    </a:prstClr>
+                  </a:solidFill>
+                </a:ln>
+                <a:solidFill>
+                  <a:prstClr val="black">
+                    <a:lumMod val="85000"/>
+                    <a:lumOff val="15000"/>
+                  </a:prstClr>
+                </a:solidFill>
+                <a:latin typeface="+mn-ea"/>
+              </a:rPr>
               <a:t>전체 소프트웨어 공용 데이터 활용</a:t>
             </a:r>
-            <a:endParaRPr lang="en-US" altLang="ko-KR" smtClean="0">
+            <a:endParaRPr lang="en-US" altLang="ko-KR" dirty="0">
               <a:ln>
                 <a:solidFill>
                   <a:prstClr val="white">
@@ -9385,7 +9213,7 @@
           <a:p>
             <a:pPr lvl="2"/>
             <a:r>
-              <a:rPr lang="ko-KR" altLang="en-US" smtClean="0">
+              <a:rPr lang="en-US" altLang="ko-KR" dirty="0">
                 <a:ln>
                   <a:solidFill>
                     <a:prstClr val="white">
@@ -9402,9 +9230,69 @@
                 </a:solidFill>
                 <a:latin typeface="+mn-ea"/>
               </a:rPr>
-              <a:t>ㅎ</a:t>
-            </a:r>
-            <a:endParaRPr lang="en-US" altLang="ko-KR" smtClean="0">
+              <a:t>MMS(</a:t>
+            </a:r>
+            <a:r>
+              <a:rPr lang="ko-KR" altLang="en-US" dirty="0">
+                <a:ln>
+                  <a:solidFill>
+                    <a:prstClr val="white">
+                      <a:lumMod val="65000"/>
+                      <a:alpha val="0"/>
+                    </a:prstClr>
+                  </a:solidFill>
+                </a:ln>
+                <a:solidFill>
+                  <a:prstClr val="black">
+                    <a:lumMod val="85000"/>
+                    <a:lumOff val="15000"/>
+                  </a:prstClr>
+                </a:solidFill>
+                <a:latin typeface="+mn-ea"/>
+              </a:rPr>
+              <a:t>임무통제</a:t>
+            </a:r>
+            <a:r>
+              <a:rPr lang="en-US" altLang="ko-KR" dirty="0">
+                <a:ln>
+                  <a:solidFill>
+                    <a:prstClr val="white">
+                      <a:lumMod val="65000"/>
+                      <a:alpha val="0"/>
+                    </a:prstClr>
+                  </a:solidFill>
+                </a:ln>
+                <a:solidFill>
+                  <a:prstClr val="black">
+                    <a:lumMod val="85000"/>
+                    <a:lumOff val="15000"/>
+                  </a:prstClr>
+                </a:solidFill>
+                <a:latin typeface="+mn-ea"/>
+              </a:rPr>
+              <a:t>) </a:t>
+            </a:r>
+            <a:r>
+              <a:rPr lang="ko-KR" altLang="en-US" dirty="0">
+                <a:ln>
+                  <a:solidFill>
+                    <a:prstClr val="white">
+                      <a:lumMod val="65000"/>
+                      <a:alpha val="0"/>
+                    </a:prstClr>
+                  </a:solidFill>
+                </a:ln>
+                <a:solidFill>
+                  <a:prstClr val="black">
+                    <a:lumMod val="85000"/>
+                    <a:lumOff val="15000"/>
+                  </a:prstClr>
+                </a:solidFill>
+                <a:latin typeface="+mn-ea"/>
+              </a:rPr>
+              <a:t>공용 데이터 예시</a:t>
+            </a:r>
+            <a:endParaRPr lang="en-US" altLang="ko-KR" dirty="0">
               <a:ln>
                 <a:solidFill>
                   <a:prstClr val="white">
@@ -9423,28 +9311,150 @@
             </a:endParaRPr>
           </a:p>
           <a:p>
-            <a:pPr lvl="3"/>
-            <a:r>
-              <a:rPr lang="ko-KR" altLang="en-US" smtClean="0">
-                <a:ln>
-                  <a:solidFill>
-                    <a:prstClr val="white">
-                      <a:lumMod val="65000"/>
-                      <a:alpha val="0"/>
-                    </a:prstClr>
-                  </a:solidFill>
-                </a:ln>
-                <a:solidFill>
-                  <a:prstClr val="black">
-                    <a:lumMod val="85000"/>
-                    <a:lumOff val="15000"/>
-                  </a:prstClr>
-                </a:solidFill>
-                <a:latin typeface="+mn-ea"/>
-              </a:rPr>
-              <a:t>ㅎ</a:t>
-            </a:r>
-            <a:endParaRPr lang="en-US" altLang="ko-KR" smtClean="0">
+            <a:pPr lvl="2"/>
+            <a:endParaRPr lang="en-US" altLang="ko-KR" dirty="0">
+              <a:ln>
+                <a:solidFill>
+                  <a:prstClr val="white">
+                    <a:lumMod val="65000"/>
+                    <a:alpha val="0"/>
+                  </a:prstClr>
+                </a:solidFill>
+              </a:ln>
+              <a:solidFill>
+                <a:prstClr val="black">
+                  <a:lumMod val="85000"/>
+                  <a:lumOff val="15000"/>
+                </a:prstClr>
+              </a:solidFill>
+              <a:latin typeface="+mn-ea"/>
+            </a:endParaRPr>
+          </a:p>
+          <a:p>
+            <a:pPr lvl="2"/>
+            <a:endParaRPr lang="en-US" altLang="ko-KR" dirty="0">
+              <a:ln>
+                <a:solidFill>
+                  <a:prstClr val="white">
+                    <a:lumMod val="65000"/>
+                    <a:alpha val="0"/>
+                  </a:prstClr>
+                </a:solidFill>
+              </a:ln>
+              <a:solidFill>
+                <a:prstClr val="black">
+                  <a:lumMod val="85000"/>
+                  <a:lumOff val="15000"/>
+                </a:prstClr>
+              </a:solidFill>
+              <a:latin typeface="+mn-ea"/>
+            </a:endParaRPr>
+          </a:p>
+          <a:p>
+            <a:pPr lvl="2"/>
+            <a:endParaRPr lang="en-US" altLang="ko-KR" dirty="0">
+              <a:ln>
+                <a:solidFill>
+                  <a:prstClr val="white">
+                    <a:lumMod val="65000"/>
+                    <a:alpha val="0"/>
+                  </a:prstClr>
+                </a:solidFill>
+              </a:ln>
+              <a:solidFill>
+                <a:prstClr val="black">
+                  <a:lumMod val="85000"/>
+                  <a:lumOff val="15000"/>
+                </a:prstClr>
+              </a:solidFill>
+              <a:latin typeface="+mn-ea"/>
+            </a:endParaRPr>
+          </a:p>
+          <a:p>
+            <a:pPr lvl="2"/>
+            <a:endParaRPr lang="en-US" altLang="ko-KR" dirty="0">
+              <a:ln>
+                <a:solidFill>
+                  <a:prstClr val="white">
+                    <a:lumMod val="65000"/>
+                    <a:alpha val="0"/>
+                  </a:prstClr>
+                </a:solidFill>
+              </a:ln>
+              <a:solidFill>
+                <a:prstClr val="black">
+                  <a:lumMod val="85000"/>
+                  <a:lumOff val="15000"/>
+                </a:prstClr>
+              </a:solidFill>
+              <a:latin typeface="+mn-ea"/>
+            </a:endParaRPr>
+          </a:p>
+          <a:p>
+            <a:pPr lvl="2"/>
+            <a:endParaRPr lang="en-US" altLang="ko-KR" dirty="0">
+              <a:ln>
+                <a:solidFill>
+                  <a:prstClr val="white">
+                    <a:lumMod val="65000"/>
+                    <a:alpha val="0"/>
+                  </a:prstClr>
+                </a:solidFill>
+              </a:ln>
+              <a:solidFill>
+                <a:prstClr val="black">
+                  <a:lumMod val="85000"/>
+                  <a:lumOff val="15000"/>
+                </a:prstClr>
+              </a:solidFill>
+              <a:latin typeface="+mn-ea"/>
+            </a:endParaRPr>
+          </a:p>
+          <a:p>
+            <a:pPr lvl="2"/>
+            <a:endParaRPr lang="en-US" altLang="ko-KR" dirty="0">
+              <a:ln>
+                <a:solidFill>
+                  <a:prstClr val="white">
+                    <a:lumMod val="65000"/>
+                    <a:alpha val="0"/>
+                  </a:prstClr>
+                </a:solidFill>
+              </a:ln>
+              <a:solidFill>
+                <a:prstClr val="black">
+                  <a:lumMod val="85000"/>
+                  <a:lumOff val="15000"/>
+                </a:prstClr>
+              </a:solidFill>
+              <a:latin typeface="+mn-ea"/>
+            </a:endParaRPr>
+          </a:p>
+          <a:p>
+            <a:pPr lvl="2"/>
+            <a:endParaRPr lang="en-US" altLang="ko-KR" dirty="0">
+              <a:ln>
+                <a:solidFill>
+                  <a:prstClr val="white">
+                    <a:lumMod val="65000"/>
+                    <a:alpha val="0"/>
+                  </a:prstClr>
+                </a:solidFill>
+              </a:ln>
+              <a:solidFill>
+                <a:prstClr val="black">
+                  <a:lumMod val="85000"/>
+                  <a:lumOff val="15000"/>
+                </a:prstClr>
+              </a:solidFill>
+              <a:latin typeface="+mn-ea"/>
+            </a:endParaRPr>
+          </a:p>
+          <a:p>
+            <a:pPr marL="540000" lvl="3" indent="0">
+              <a:buNone/>
+            </a:pPr>
+            <a:endParaRPr lang="en-US" altLang="ko-KR" dirty="0">
               <a:ln>
                 <a:solidFill>
                   <a:prstClr val="white">
@@ -9500,7 +9510,7 @@
               <a:t>] </a:t>
             </a:r>
             <a:r>
-              <a:rPr lang="ko-KR" altLang="en-US" smtClean="0">
+              <a:rPr lang="ko-KR" altLang="en-US">
                 <a:latin typeface="+mn-ea"/>
               </a:rPr>
               <a:t>소프트웨어 원격 연동 작업</a:t>
@@ -9702,6 +9712,499 @@
           </p:txBody>
         </p:sp>
       </p:grpSp>
+      <p:pic>
+        <p:nvPicPr>
+          <p:cNvPr id="7" name="그림 6">
+            <a:extLst>
+              <a:ext uri="{FF2B5EF4-FFF2-40B4-BE49-F238E27FC236}">
+                <a16:creationId xmlns:a16="http://schemas.microsoft.com/office/drawing/2014/main" id="{542944AE-BADE-BD36-40EE-4EB2373EA788}"/>
+              </a:ext>
+            </a:extLst>
+          </p:cNvPr>
+          <p:cNvPicPr>
+            <a:picLocks noChangeAspect="1"/>
+          </p:cNvPicPr>
+          <p:nvPr/>
+        </p:nvPicPr>
+        <p:blipFill>
+          <a:blip r:embed="rId5"/>
+          <a:stretch>
+            <a:fillRect/>
+          </a:stretch>
+        </p:blipFill>
+        <p:spPr>
+          <a:xfrm>
+            <a:off x="1351274" y="1915325"/>
+            <a:ext cx="3380772" cy="4350795"/>
+          </a:xfrm>
+          <a:prstGeom prst="rect">
+            <a:avLst/>
+          </a:prstGeom>
+        </p:spPr>
+      </p:pic>
+      <p:sp>
+        <p:nvSpPr>
+          <p:cNvPr id="11" name="내용 개체 틀 2">
+            <a:extLst>
+              <a:ext uri="{FF2B5EF4-FFF2-40B4-BE49-F238E27FC236}">
+                <a16:creationId xmlns:a16="http://schemas.microsoft.com/office/drawing/2014/main" id="{8F02A63E-4001-F1A1-80C7-A224052CCC53}"/>
+              </a:ext>
+            </a:extLst>
+          </p:cNvPr>
+          <p:cNvSpPr txBox="1">
+            <a:spLocks/>
+          </p:cNvSpPr>
+          <p:nvPr/>
+        </p:nvSpPr>
+        <p:spPr>
+          <a:xfrm>
+            <a:off x="5654628" y="1049372"/>
+            <a:ext cx="6020305" cy="5131731"/>
+          </a:xfrm>
+          <a:prstGeom prst="rect">
+            <a:avLst/>
+          </a:prstGeom>
+        </p:spPr>
+        <p:txBody>
+          <a:bodyPr vert="horz" lIns="91440" tIns="45720" rIns="91440" bIns="45720" rtlCol="0">
+            <a:normAutofit/>
+          </a:bodyPr>
+          <a:lstStyle>
+            <a:lvl1pPr marL="216000" indent="-216000" algn="l" defTabSz="342900" rtl="0" eaLnBrk="1" latinLnBrk="0" hangingPunct="1">
+              <a:lnSpc>
+                <a:spcPct val="130000"/>
+              </a:lnSpc>
+              <a:spcBef>
+                <a:spcPct val="20000"/>
+              </a:spcBef>
+              <a:buSzPct val="100000"/>
+              <a:buFontTx/>
+              <a:buBlip>
+                <a:blip r:embed="rId3"/>
+              </a:buBlip>
+              <a:defRPr lang="ko-KR" altLang="en-US" sz="1600" b="1" kern="1200" baseline="0" dirty="0">
+                <a:ln>
+                  <a:solidFill>
+                    <a:schemeClr val="bg1">
+                      <a:lumMod val="65000"/>
+                      <a:alpha val="0"/>
+                    </a:schemeClr>
+                  </a:solidFill>
+                </a:ln>
+                <a:solidFill>
+                  <a:schemeClr val="tx1">
+                    <a:lumMod val="85000"/>
+                    <a:lumOff val="15000"/>
+                  </a:schemeClr>
+                </a:solidFill>
+                <a:latin typeface="Arial" panose="020B0604020202020204" pitchFamily="34" charset="0"/>
+                <a:ea typeface="나눔바른고딕" panose="020B0603020101020101" pitchFamily="50" charset="-127"/>
+                <a:cs typeface="+mn-cs"/>
+              </a:defRPr>
+            </a:lvl1pPr>
+            <a:lvl2pPr marL="351000" indent="-171450" algn="l" defTabSz="914400" rtl="0" eaLnBrk="1" latinLnBrk="1" hangingPunct="1">
+              <a:lnSpc>
+                <a:spcPct val="90000"/>
+              </a:lnSpc>
+              <a:spcBef>
+                <a:spcPts val="600"/>
+              </a:spcBef>
+              <a:buFontTx/>
+              <a:buBlip>
+                <a:blip r:embed="rId4"/>
+              </a:buBlip>
+              <a:defRPr lang="ko-KR" altLang="en-US" sz="1400" kern="1200" baseline="0" dirty="0">
+                <a:ln>
+                  <a:solidFill>
+                    <a:schemeClr val="bg1">
+                      <a:lumMod val="65000"/>
+                      <a:alpha val="0"/>
+                    </a:schemeClr>
+                  </a:solidFill>
+                </a:ln>
+                <a:solidFill>
+                  <a:schemeClr val="tx1">
+                    <a:lumMod val="85000"/>
+                    <a:lumOff val="15000"/>
+                  </a:schemeClr>
+                </a:solidFill>
+                <a:latin typeface="Arial" panose="020B0604020202020204" pitchFamily="34" charset="0"/>
+                <a:ea typeface="나눔바른고딕" panose="020B0603020101020101" pitchFamily="50" charset="-127"/>
+                <a:cs typeface="+mn-cs"/>
+              </a:defRPr>
+            </a:lvl2pPr>
+            <a:lvl3pPr marL="486000" indent="-108000" algn="l" defTabSz="914400" rtl="0" eaLnBrk="1" latinLnBrk="1" hangingPunct="1">
+              <a:lnSpc>
+                <a:spcPct val="90000"/>
+              </a:lnSpc>
+              <a:spcBef>
+                <a:spcPts val="500"/>
+              </a:spcBef>
+              <a:buClr>
+                <a:schemeClr val="accent1">
+                  <a:lumMod val="60000"/>
+                  <a:lumOff val="40000"/>
+                </a:schemeClr>
+              </a:buClr>
+              <a:buFont typeface="Arial" panose="020B0604020202020204" pitchFamily="34" charset="0"/>
+              <a:buChar char="•"/>
+              <a:defRPr lang="ko-KR" altLang="en-US" sz="1200" kern="1200" baseline="0" dirty="0">
+                <a:ln>
+                  <a:solidFill>
+                    <a:schemeClr val="bg1">
+                      <a:lumMod val="65000"/>
+                      <a:alpha val="0"/>
+                    </a:schemeClr>
+                  </a:solidFill>
+                </a:ln>
+                <a:solidFill>
+                  <a:schemeClr val="tx1">
+                    <a:lumMod val="85000"/>
+                    <a:lumOff val="15000"/>
+                  </a:schemeClr>
+                </a:solidFill>
+                <a:latin typeface="Arial" panose="020B0604020202020204" pitchFamily="34" charset="0"/>
+                <a:ea typeface="나눔바른고딕" panose="020B0603020101020101" pitchFamily="50" charset="-127"/>
+                <a:cs typeface="+mn-cs"/>
+              </a:defRPr>
+            </a:lvl3pPr>
+            <a:lvl4pPr marL="648000" indent="-108000" algn="l" defTabSz="914400" rtl="0" eaLnBrk="1" latinLnBrk="1" hangingPunct="1">
+              <a:lnSpc>
+                <a:spcPct val="90000"/>
+              </a:lnSpc>
+              <a:spcBef>
+                <a:spcPts val="500"/>
+              </a:spcBef>
+              <a:buClr>
+                <a:schemeClr val="accent1">
+                  <a:lumMod val="60000"/>
+                  <a:lumOff val="40000"/>
+                </a:schemeClr>
+              </a:buClr>
+              <a:buFont typeface="맑은 고딕" panose="020B0503020000020004" pitchFamily="50" charset="-127"/>
+              <a:buChar char="-"/>
+              <a:defRPr lang="ko-KR" altLang="en-US" sz="1200" kern="1200" baseline="0" dirty="0">
+                <a:ln>
+                  <a:solidFill>
+                    <a:schemeClr val="bg1">
+                      <a:lumMod val="65000"/>
+                      <a:alpha val="0"/>
+                    </a:schemeClr>
+                  </a:solidFill>
+                </a:ln>
+                <a:solidFill>
+                  <a:schemeClr val="tx1">
+                    <a:lumMod val="85000"/>
+                    <a:lumOff val="15000"/>
+                  </a:schemeClr>
+                </a:solidFill>
+                <a:latin typeface="Arial" panose="020B0604020202020204" pitchFamily="34" charset="0"/>
+                <a:ea typeface="나눔바른고딕" panose="020B0603020101020101" pitchFamily="50" charset="-127"/>
+                <a:cs typeface="+mn-cs"/>
+              </a:defRPr>
+            </a:lvl4pPr>
+            <a:lvl5pPr marL="2057400" indent="-228600" algn="l" defTabSz="914400" rtl="0" eaLnBrk="1" latinLnBrk="1" hangingPunct="1">
+              <a:lnSpc>
+                <a:spcPct val="90000"/>
+              </a:lnSpc>
+              <a:spcBef>
+                <a:spcPts val="500"/>
+              </a:spcBef>
+              <a:buFont typeface="Arial" panose="020B0604020202020204" pitchFamily="34" charset="0"/>
+              <a:buChar char="•"/>
+              <a:defRPr sz="1800" kern="1200">
+                <a:solidFill>
+                  <a:schemeClr val="tx1"/>
+                </a:solidFill>
+                <a:latin typeface="나눔바른고딕" panose="020B0603020101020101" pitchFamily="50" charset="-127"/>
+                <a:ea typeface="나눔바른고딕" panose="020B0603020101020101" pitchFamily="50" charset="-127"/>
+                <a:cs typeface="+mn-cs"/>
+              </a:defRPr>
+            </a:lvl5pPr>
+            <a:lvl6pPr marL="2514600" indent="-228600" algn="l" defTabSz="914400" rtl="0" eaLnBrk="1" latinLnBrk="1" hangingPunct="1">
+              <a:lnSpc>
+                <a:spcPct val="90000"/>
+              </a:lnSpc>
+              <a:spcBef>
+                <a:spcPts val="500"/>
+              </a:spcBef>
+              <a:buFont typeface="Arial" panose="020B0604020202020204" pitchFamily="34" charset="0"/>
+              <a:buChar char="•"/>
+              <a:defRPr sz="1800" kern="1200">
+                <a:solidFill>
+                  <a:schemeClr val="tx1"/>
+                </a:solidFill>
+                <a:latin typeface="+mn-lt"/>
+                <a:ea typeface="+mn-ea"/>
+                <a:cs typeface="+mn-cs"/>
+              </a:defRPr>
+            </a:lvl6pPr>
+            <a:lvl7pPr marL="2971800" indent="-228600" algn="l" defTabSz="914400" rtl="0" eaLnBrk="1" latinLnBrk="1" hangingPunct="1">
+              <a:lnSpc>
+                <a:spcPct val="90000"/>
+              </a:lnSpc>
+              <a:spcBef>
+                <a:spcPts val="500"/>
+              </a:spcBef>
+              <a:buFont typeface="Arial" panose="020B0604020202020204" pitchFamily="34" charset="0"/>
+              <a:buChar char="•"/>
+              <a:defRPr sz="1800" kern="1200">
+                <a:solidFill>
+                  <a:schemeClr val="tx1"/>
+                </a:solidFill>
+                <a:latin typeface="+mn-lt"/>
+                <a:ea typeface="+mn-ea"/>
+                <a:cs typeface="+mn-cs"/>
+              </a:defRPr>
+            </a:lvl7pPr>
+            <a:lvl8pPr marL="3429000" indent="-228600" algn="l" defTabSz="914400" rtl="0" eaLnBrk="1" latinLnBrk="1" hangingPunct="1">
+              <a:lnSpc>
+                <a:spcPct val="90000"/>
+              </a:lnSpc>
+              <a:spcBef>
+                <a:spcPts val="500"/>
+              </a:spcBef>
+              <a:buFont typeface="Arial" panose="020B0604020202020204" pitchFamily="34" charset="0"/>
+              <a:buChar char="•"/>
+              <a:defRPr sz="1800" kern="1200">
+                <a:solidFill>
+                  <a:schemeClr val="tx1"/>
+                </a:solidFill>
+                <a:latin typeface="+mn-lt"/>
+                <a:ea typeface="+mn-ea"/>
+                <a:cs typeface="+mn-cs"/>
+              </a:defRPr>
+            </a:lvl8pPr>
+            <a:lvl9pPr marL="3886200" indent="-228600" algn="l" defTabSz="914400" rtl="0" eaLnBrk="1" latinLnBrk="1" hangingPunct="1">
+              <a:lnSpc>
+                <a:spcPct val="90000"/>
+              </a:lnSpc>
+              <a:spcBef>
+                <a:spcPts val="500"/>
+              </a:spcBef>
+              <a:buFont typeface="Arial" panose="020B0604020202020204" pitchFamily="34" charset="0"/>
+              <a:buChar char="•"/>
+              <a:defRPr sz="1800" kern="1200">
+                <a:solidFill>
+                  <a:schemeClr val="tx1"/>
+                </a:solidFill>
+                <a:latin typeface="+mn-lt"/>
+                <a:ea typeface="+mn-ea"/>
+                <a:cs typeface="+mn-cs"/>
+              </a:defRPr>
+            </a:lvl9pPr>
+          </a:lstStyle>
+          <a:p>
+            <a:endParaRPr lang="en-US" altLang="ko-KR" dirty="0">
+              <a:ln>
+                <a:solidFill>
+                  <a:prstClr val="white">
+                    <a:lumMod val="65000"/>
+                    <a:alpha val="0"/>
+                  </a:prstClr>
+                </a:solidFill>
+              </a:ln>
+              <a:solidFill>
+                <a:prstClr val="black">
+                  <a:lumMod val="85000"/>
+                  <a:lumOff val="15000"/>
+                </a:prstClr>
+              </a:solidFill>
+              <a:latin typeface="+mn-ea"/>
+            </a:endParaRPr>
+          </a:p>
+          <a:p>
+            <a:pPr lvl="1"/>
+            <a:r>
+              <a:rPr lang="ko-KR" altLang="en-US" dirty="0">
+                <a:ln>
+                  <a:solidFill>
+                    <a:prstClr val="white">
+                      <a:lumMod val="65000"/>
+                      <a:alpha val="0"/>
+                    </a:prstClr>
+                  </a:solidFill>
+                </a:ln>
+                <a:solidFill>
+                  <a:prstClr val="black">
+                    <a:lumMod val="85000"/>
+                    <a:lumOff val="15000"/>
+                  </a:prstClr>
+                </a:solidFill>
+                <a:latin typeface="+mn-ea"/>
+              </a:rPr>
+              <a:t>전체 소프트웨어 공용 데이터 활용</a:t>
+            </a:r>
+            <a:endParaRPr lang="en-US" altLang="ko-KR" dirty="0">
+              <a:ln>
+                <a:solidFill>
+                  <a:prstClr val="white">
+                    <a:lumMod val="65000"/>
+                    <a:alpha val="0"/>
+                  </a:prstClr>
+                </a:solidFill>
+              </a:ln>
+              <a:solidFill>
+                <a:prstClr val="black">
+                  <a:lumMod val="85000"/>
+                  <a:lumOff val="15000"/>
+                </a:prstClr>
+              </a:solidFill>
+              <a:latin typeface="+mn-ea"/>
+            </a:endParaRPr>
+          </a:p>
+          <a:p>
+            <a:pPr lvl="2"/>
+            <a:r>
+              <a:rPr lang="en-US" altLang="ko-KR" dirty="0">
+                <a:ln>
+                  <a:solidFill>
+                    <a:prstClr val="white">
+                      <a:lumMod val="65000"/>
+                      <a:alpha val="0"/>
+                    </a:prstClr>
+                  </a:solidFill>
+                </a:ln>
+                <a:solidFill>
+                  <a:prstClr val="black">
+                    <a:lumMod val="85000"/>
+                    <a:lumOff val="15000"/>
+                  </a:prstClr>
+                </a:solidFill>
+                <a:latin typeface="+mn-ea"/>
+              </a:rPr>
+              <a:t>OMC(</a:t>
+            </a:r>
+            <a:r>
+              <a:rPr lang="ko-KR" altLang="en-US" dirty="0">
+                <a:ln>
+                  <a:solidFill>
+                    <a:prstClr val="white">
+                      <a:lumMod val="65000"/>
+                      <a:alpha val="0"/>
+                    </a:prstClr>
+                  </a:solidFill>
+                </a:ln>
+                <a:solidFill>
+                  <a:prstClr val="black">
+                    <a:lumMod val="85000"/>
+                    <a:lumOff val="15000"/>
+                  </a:prstClr>
+                </a:solidFill>
+                <a:latin typeface="+mn-ea"/>
+              </a:rPr>
+              <a:t>운용통제</a:t>
+            </a:r>
+            <a:r>
+              <a:rPr lang="en-US" altLang="ko-KR" dirty="0">
+                <a:ln>
+                  <a:solidFill>
+                    <a:prstClr val="white">
+                      <a:lumMod val="65000"/>
+                      <a:alpha val="0"/>
+                    </a:prstClr>
+                  </a:solidFill>
+                </a:ln>
+                <a:solidFill>
+                  <a:prstClr val="black">
+                    <a:lumMod val="85000"/>
+                    <a:lumOff val="15000"/>
+                  </a:prstClr>
+                </a:solidFill>
+                <a:latin typeface="+mn-ea"/>
+              </a:rPr>
+              <a:t>) </a:t>
+            </a:r>
+            <a:r>
+              <a:rPr lang="ko-KR" altLang="en-US" dirty="0">
+                <a:ln>
+                  <a:solidFill>
+                    <a:prstClr val="white">
+                      <a:lumMod val="65000"/>
+                      <a:alpha val="0"/>
+                    </a:prstClr>
+                  </a:solidFill>
+                </a:ln>
+                <a:solidFill>
+                  <a:prstClr val="black">
+                    <a:lumMod val="85000"/>
+                    <a:lumOff val="15000"/>
+                  </a:prstClr>
+                </a:solidFill>
+                <a:latin typeface="+mn-ea"/>
+              </a:rPr>
+              <a:t>공용 데이터 예시</a:t>
+            </a:r>
+            <a:endParaRPr lang="en-US" altLang="ko-KR" dirty="0">
+              <a:ln>
+                <a:solidFill>
+                  <a:prstClr val="white">
+                    <a:lumMod val="65000"/>
+                    <a:alpha val="0"/>
+                  </a:prstClr>
+                </a:solidFill>
+              </a:ln>
+              <a:solidFill>
+                <a:prstClr val="black">
+                  <a:lumMod val="85000"/>
+                  <a:lumOff val="15000"/>
+                </a:prstClr>
+              </a:solidFill>
+              <a:latin typeface="+mn-ea"/>
+            </a:endParaRPr>
+          </a:p>
+          <a:p>
+            <a:pPr lvl="3"/>
+            <a:endParaRPr lang="en-US" altLang="ko-KR" dirty="0">
+              <a:ln>
+                <a:solidFill>
+                  <a:prstClr val="white">
+                    <a:lumMod val="65000"/>
+                    <a:alpha val="0"/>
+                  </a:prstClr>
+                </a:solidFill>
+              </a:ln>
+              <a:solidFill>
+                <a:prstClr val="black">
+                  <a:lumMod val="85000"/>
+                  <a:lumOff val="15000"/>
+                </a:prstClr>
+              </a:solidFill>
+              <a:latin typeface="+mn-ea"/>
+            </a:endParaRPr>
+          </a:p>
+        </p:txBody>
+      </p:sp>
+      <p:pic>
+        <p:nvPicPr>
+          <p:cNvPr id="13" name="그림 12">
+            <a:extLst>
+              <a:ext uri="{FF2B5EF4-FFF2-40B4-BE49-F238E27FC236}">
+                <a16:creationId xmlns:a16="http://schemas.microsoft.com/office/drawing/2014/main" id="{4A25B450-ABED-93E6-6F31-571E611B6A24}"/>
+              </a:ext>
+            </a:extLst>
+          </p:cNvPr>
+          <p:cNvPicPr>
+            <a:picLocks noChangeAspect="1"/>
+          </p:cNvPicPr>
+          <p:nvPr/>
+        </p:nvPicPr>
+        <p:blipFill>
+          <a:blip r:embed="rId6"/>
+          <a:stretch>
+            <a:fillRect/>
+          </a:stretch>
+        </p:blipFill>
+        <p:spPr>
+          <a:xfrm>
+            <a:off x="6407944" y="2006983"/>
+            <a:ext cx="2381582" cy="3496163"/>
+          </a:xfrm>
+          <a:prstGeom prst="rect">
+            <a:avLst/>
+          </a:prstGeom>
+        </p:spPr>
+      </p:pic>
     </p:spTree>
     <p:extLst>
       <p:ext uri="{BB962C8B-B14F-4D97-AF65-F5344CB8AC3E}">
@@ -9980,7 +10483,7 @@
           </a:lstStyle>
           <a:p>
             <a:r>
-              <a:rPr lang="ko-KR" altLang="en-US" smtClean="0">
+              <a:rPr lang="ko-KR" altLang="en-US">
                 <a:ln>
                   <a:solidFill>
                     <a:prstClr val="white">
@@ -9999,7 +10502,7 @@
               </a:rPr>
               <a:t>소프트웨어 원격 연동 작업 주소</a:t>
             </a:r>
-            <a:endParaRPr lang="en-US" altLang="ko-KR" smtClean="0">
+            <a:endParaRPr lang="en-US" altLang="ko-KR">
               <a:ln>
                 <a:solidFill>
                   <a:prstClr val="white">
@@ -10020,7 +10523,7 @@
           <a:p>
             <a:pPr lvl="1"/>
             <a:r>
-              <a:rPr lang="ko-KR" altLang="en-US" smtClean="0">
+              <a:rPr lang="ko-KR" altLang="en-US">
                 <a:ln>
                   <a:solidFill>
                     <a:prstClr val="white">
@@ -10039,7 +10542,7 @@
               </a:rPr>
               <a:t>ㅎ</a:t>
             </a:r>
-            <a:endParaRPr lang="en-US" altLang="ko-KR" smtClean="0">
+            <a:endParaRPr lang="en-US" altLang="ko-KR">
               <a:ln>
                 <a:solidFill>
                   <a:prstClr val="white">
@@ -10060,7 +10563,7 @@
           <a:p>
             <a:pPr lvl="2"/>
             <a:r>
-              <a:rPr lang="ko-KR" altLang="en-US" smtClean="0">
+              <a:rPr lang="ko-KR" altLang="en-US">
                 <a:ln>
                   <a:solidFill>
                     <a:prstClr val="white">
@@ -10079,7 +10582,7 @@
               </a:rPr>
               <a:t>ㅎ</a:t>
             </a:r>
-            <a:endParaRPr lang="en-US" altLang="ko-KR" smtClean="0">
+            <a:endParaRPr lang="en-US" altLang="ko-KR">
               <a:ln>
                 <a:solidFill>
                   <a:prstClr val="white">
@@ -10100,7 +10603,7 @@
           <a:p>
             <a:pPr lvl="3"/>
             <a:r>
-              <a:rPr lang="ko-KR" altLang="en-US" smtClean="0">
+              <a:rPr lang="ko-KR" altLang="en-US">
                 <a:ln>
                   <a:solidFill>
                     <a:prstClr val="white">
@@ -10119,7 +10622,7 @@
               </a:rPr>
               <a:t>ㅎ</a:t>
             </a:r>
-            <a:endParaRPr lang="en-US" altLang="ko-KR" smtClean="0">
+            <a:endParaRPr lang="en-US" altLang="ko-KR">
               <a:ln>
                 <a:solidFill>
                   <a:prstClr val="white">
@@ -10175,7 +10678,7 @@
               <a:t>] </a:t>
             </a:r>
             <a:r>
-              <a:rPr lang="ko-KR" altLang="en-US" smtClean="0">
+              <a:rPr lang="ko-KR" altLang="en-US">
                 <a:latin typeface="+mn-ea"/>
               </a:rPr>
               <a:t>소프트웨어 원격 연동 작업</a:t>
@@ -10655,7 +11158,7 @@
           </a:lstStyle>
           <a:p>
             <a:r>
-              <a:rPr lang="ko-KR" altLang="en-US" smtClean="0">
+              <a:rPr lang="ko-KR" altLang="en-US">
                 <a:ln>
                   <a:solidFill>
                     <a:prstClr val="white">
@@ -10674,7 +11177,7 @@
               </a:rPr>
               <a:t>소프트웨어 원격 연동 작업 주소</a:t>
             </a:r>
-            <a:endParaRPr lang="en-US" altLang="ko-KR" smtClean="0">
+            <a:endParaRPr lang="en-US" altLang="ko-KR">
               <a:ln>
                 <a:solidFill>
                   <a:prstClr val="white">
@@ -10695,7 +11198,7 @@
           <a:p>
             <a:pPr lvl="1"/>
             <a:r>
-              <a:rPr lang="ko-KR" altLang="en-US" smtClean="0">
+              <a:rPr lang="ko-KR" altLang="en-US">
                 <a:ln>
                   <a:solidFill>
                     <a:prstClr val="white">
@@ -10714,7 +11217,7 @@
               </a:rPr>
               <a:t>ㅎ</a:t>
             </a:r>
-            <a:endParaRPr lang="en-US" altLang="ko-KR" smtClean="0">
+            <a:endParaRPr lang="en-US" altLang="ko-KR">
               <a:ln>
                 <a:solidFill>
                   <a:prstClr val="white">
@@ -10735,7 +11238,7 @@
           <a:p>
             <a:pPr lvl="2"/>
             <a:r>
-              <a:rPr lang="ko-KR" altLang="en-US" smtClean="0">
+              <a:rPr lang="ko-KR" altLang="en-US">
                 <a:ln>
                   <a:solidFill>
                     <a:prstClr val="white">
@@ -10754,7 +11257,7 @@
               </a:rPr>
               <a:t>ㅎ</a:t>
             </a:r>
-            <a:endParaRPr lang="en-US" altLang="ko-KR" smtClean="0">
+            <a:endParaRPr lang="en-US" altLang="ko-KR">
               <a:ln>
                 <a:solidFill>
                   <a:prstClr val="white">
@@ -10775,7 +11278,7 @@
           <a:p>
             <a:pPr lvl="3"/>
             <a:r>
-              <a:rPr lang="ko-KR" altLang="en-US" smtClean="0">
+              <a:rPr lang="ko-KR" altLang="en-US">
                 <a:ln>
                   <a:solidFill>
                     <a:prstClr val="white">
@@ -10794,7 +11297,7 @@
               </a:rPr>
               <a:t>ㅎ</a:t>
             </a:r>
-            <a:endParaRPr lang="en-US" altLang="ko-KR" smtClean="0">
+            <a:endParaRPr lang="en-US" altLang="ko-KR">
               <a:ln>
                 <a:solidFill>
                   <a:prstClr val="white">
@@ -10850,7 +11353,7 @@
               <a:t>] </a:t>
             </a:r>
             <a:r>
-              <a:rPr lang="ko-KR" altLang="en-US" smtClean="0">
+              <a:rPr lang="ko-KR" altLang="en-US">
                 <a:latin typeface="+mn-ea"/>
               </a:rPr>
               <a:t>소프트웨어 원격 연동 작업</a:t>
@@ -11330,7 +11833,7 @@
           </a:lstStyle>
           <a:p>
             <a:r>
-              <a:rPr lang="ko-KR" altLang="en-US" smtClean="0">
+              <a:rPr lang="ko-KR" altLang="en-US">
                 <a:ln>
                   <a:solidFill>
                     <a:prstClr val="white">
@@ -11349,7 +11852,7 @@
               </a:rPr>
               <a:t>소프트웨어 원격 연동 작업 주소</a:t>
             </a:r>
-            <a:endParaRPr lang="en-US" altLang="ko-KR" smtClean="0">
+            <a:endParaRPr lang="en-US" altLang="ko-KR">
               <a:ln>
                 <a:solidFill>
                   <a:prstClr val="white">
@@ -11370,7 +11873,7 @@
           <a:p>
             <a:pPr lvl="1"/>
             <a:r>
-              <a:rPr lang="ko-KR" altLang="en-US" smtClean="0">
+              <a:rPr lang="ko-KR" altLang="en-US">
                 <a:ln>
                   <a:solidFill>
                     <a:prstClr val="white">
@@ -11389,7 +11892,7 @@
               </a:rPr>
               <a:t>ㅎ</a:t>
             </a:r>
-            <a:endParaRPr lang="en-US" altLang="ko-KR" smtClean="0">
+            <a:endParaRPr lang="en-US" altLang="ko-KR">
               <a:ln>
                 <a:solidFill>
                   <a:prstClr val="white">
@@ -11410,7 +11913,7 @@
           <a:p>
             <a:pPr lvl="2"/>
             <a:r>
-              <a:rPr lang="ko-KR" altLang="en-US" smtClean="0">
+              <a:rPr lang="ko-KR" altLang="en-US">
                 <a:ln>
                   <a:solidFill>
                     <a:prstClr val="white">
@@ -11429,7 +11932,7 @@
               </a:rPr>
               <a:t>ㅎ</a:t>
             </a:r>
-            <a:endParaRPr lang="en-US" altLang="ko-KR" smtClean="0">
+            <a:endParaRPr lang="en-US" altLang="ko-KR">
               <a:ln>
                 <a:solidFill>
                   <a:prstClr val="white">
@@ -11450,7 +11953,7 @@
           <a:p>
             <a:pPr lvl="3"/>
             <a:r>
-              <a:rPr lang="ko-KR" altLang="en-US" smtClean="0">
+              <a:rPr lang="ko-KR" altLang="en-US">
                 <a:ln>
                   <a:solidFill>
                     <a:prstClr val="white">
@@ -11469,7 +11972,7 @@
               </a:rPr>
               <a:t>ㅎ</a:t>
             </a:r>
-            <a:endParaRPr lang="en-US" altLang="ko-KR" smtClean="0">
+            <a:endParaRPr lang="en-US" altLang="ko-KR">
               <a:ln>
                 <a:solidFill>
                   <a:prstClr val="white">
@@ -11525,7 +12028,7 @@
               <a:t>] </a:t>
             </a:r>
             <a:r>
-              <a:rPr lang="ko-KR" altLang="en-US" smtClean="0">
+              <a:rPr lang="ko-KR" altLang="en-US">
                 <a:latin typeface="+mn-ea"/>
               </a:rPr>
               <a:t>소프트웨어 원격 연동 작업</a:t>
@@ -12005,7 +12508,7 @@
           </a:lstStyle>
           <a:p>
             <a:r>
-              <a:rPr lang="ko-KR" altLang="en-US" smtClean="0">
+              <a:rPr lang="ko-KR" altLang="en-US">
                 <a:ln>
                   <a:solidFill>
                     <a:prstClr val="white">
@@ -12024,7 +12527,7 @@
               </a:rPr>
               <a:t>소프트웨어 원격 연동 작업 주소</a:t>
             </a:r>
-            <a:endParaRPr lang="en-US" altLang="ko-KR" smtClean="0">
+            <a:endParaRPr lang="en-US" altLang="ko-KR">
               <a:ln>
                 <a:solidFill>
                   <a:prstClr val="white">
@@ -12045,7 +12548,7 @@
           <a:p>
             <a:pPr lvl="1"/>
             <a:r>
-              <a:rPr lang="ko-KR" altLang="en-US" smtClean="0">
+              <a:rPr lang="ko-KR" altLang="en-US">
                 <a:ln>
                   <a:solidFill>
                     <a:prstClr val="white">
@@ -12064,7 +12567,7 @@
               </a:rPr>
               <a:t>ㅎ</a:t>
             </a:r>
-            <a:endParaRPr lang="en-US" altLang="ko-KR" smtClean="0">
+            <a:endParaRPr lang="en-US" altLang="ko-KR">
               <a:ln>
                 <a:solidFill>
                   <a:prstClr val="white">
@@ -12085,7 +12588,7 @@
           <a:p>
             <a:pPr lvl="2"/>
             <a:r>
-              <a:rPr lang="ko-KR" altLang="en-US" smtClean="0">
+              <a:rPr lang="ko-KR" altLang="en-US">
                 <a:ln>
                   <a:solidFill>
                     <a:prstClr val="white">
@@ -12104,7 +12607,7 @@
               </a:rPr>
               <a:t>ㅎ</a:t>
             </a:r>
-            <a:endParaRPr lang="en-US" altLang="ko-KR" smtClean="0">
+            <a:endParaRPr lang="en-US" altLang="ko-KR">
               <a:ln>
                 <a:solidFill>
                   <a:prstClr val="white">
@@ -12125,7 +12628,7 @@
           <a:p>
             <a:pPr lvl="3"/>
             <a:r>
-              <a:rPr lang="ko-KR" altLang="en-US" smtClean="0">
+              <a:rPr lang="ko-KR" altLang="en-US">
                 <a:ln>
                   <a:solidFill>
                     <a:prstClr val="white">
@@ -12144,7 +12647,7 @@
               </a:rPr>
               <a:t>ㅎ</a:t>
             </a:r>
-            <a:endParaRPr lang="en-US" altLang="ko-KR" smtClean="0">
+            <a:endParaRPr lang="en-US" altLang="ko-KR">
               <a:ln>
                 <a:solidFill>
                   <a:prstClr val="white">
@@ -12200,7 +12703,7 @@
               <a:t>] </a:t>
             </a:r>
             <a:r>
-              <a:rPr lang="ko-KR" altLang="en-US" smtClean="0">
+              <a:rPr lang="ko-KR" altLang="en-US">
                 <a:latin typeface="+mn-ea"/>
               </a:rPr>
               <a:t>소프트웨어 원격 연동 작업</a:t>
@@ -12680,7 +13183,7 @@
           </a:lstStyle>
           <a:p>
             <a:r>
-              <a:rPr lang="ko-KR" altLang="en-US" smtClean="0">
+              <a:rPr lang="ko-KR" altLang="en-US">
                 <a:ln>
                   <a:solidFill>
                     <a:prstClr val="white">
@@ -12699,7 +13202,7 @@
               </a:rPr>
               <a:t>소프트웨어 원격 연동 작업 주소</a:t>
             </a:r>
-            <a:endParaRPr lang="en-US" altLang="ko-KR" smtClean="0">
+            <a:endParaRPr lang="en-US" altLang="ko-KR">
               <a:ln>
                 <a:solidFill>
                   <a:prstClr val="white">
@@ -12720,7 +13223,7 @@
           <a:p>
             <a:pPr lvl="1"/>
             <a:r>
-              <a:rPr lang="ko-KR" altLang="en-US" smtClean="0">
+              <a:rPr lang="ko-KR" altLang="en-US">
                 <a:ln>
                   <a:solidFill>
                     <a:prstClr val="white">
@@ -12739,7 +13242,7 @@
               </a:rPr>
               <a:t>ㅎ</a:t>
             </a:r>
-            <a:endParaRPr lang="en-US" altLang="ko-KR" smtClean="0">
+            <a:endParaRPr lang="en-US" altLang="ko-KR">
               <a:ln>
                 <a:solidFill>
                   <a:prstClr val="white">
@@ -12760,7 +13263,7 @@
           <a:p>
             <a:pPr lvl="2"/>
             <a:r>
-              <a:rPr lang="ko-KR" altLang="en-US" smtClean="0">
+              <a:rPr lang="ko-KR" altLang="en-US">
                 <a:ln>
                   <a:solidFill>
                     <a:prstClr val="white">
@@ -12779,7 +13282,7 @@
               </a:rPr>
               <a:t>ㅎ</a:t>
             </a:r>
-            <a:endParaRPr lang="en-US" altLang="ko-KR" smtClean="0">
+            <a:endParaRPr lang="en-US" altLang="ko-KR">
               <a:ln>
                 <a:solidFill>
                   <a:prstClr val="white">
@@ -12800,7 +13303,7 @@
           <a:p>
             <a:pPr lvl="3"/>
             <a:r>
-              <a:rPr lang="ko-KR" altLang="en-US" smtClean="0">
+              <a:rPr lang="ko-KR" altLang="en-US">
                 <a:ln>
                   <a:solidFill>
                     <a:prstClr val="white">
@@ -12819,7 +13322,7 @@
               </a:rPr>
               <a:t>ㅎ</a:t>
             </a:r>
-            <a:endParaRPr lang="en-US" altLang="ko-KR" smtClean="0">
+            <a:endParaRPr lang="en-US" altLang="ko-KR">
               <a:ln>
                 <a:solidFill>
                   <a:prstClr val="white">
@@ -12875,7 +13378,7 @@
               <a:t>] </a:t>
             </a:r>
             <a:r>
-              <a:rPr lang="ko-KR" altLang="en-US" smtClean="0">
+              <a:rPr lang="ko-KR" altLang="en-US">
                 <a:latin typeface="+mn-ea"/>
               </a:rPr>
               <a:t>소프트웨어 원격 연동 작업</a:t>
